--- a/docs/week-2/week-2.en.md_word.pptx
+++ b/docs/week-2/week-2.en.md_word.pptx
@@ -19,12 +19,8 @@
     <p:sldId id="267" r:id="rId13"/>
     <p:sldId id="268" r:id="rId14"/>
     <p:sldId id="269" r:id="rId15"/>
-    <p:sldId id="270" r:id="rId16"/>
-    <p:sldId id="271" r:id="rId17"/>
-    <p:sldId id="272" r:id="rId18"/>
-    <p:sldId id="273" r:id="rId19"/>
   </p:sldIdLst>
-  <p:sldSz cx="9144000" cy="6858000" type="screen4x3"/>
+  <p:sldSz cx="9144000" cy="5143500" type="screen16x9"/>
   <p:notesSz cx="6858000" cy="9144000"/>
   <p:defaultTextStyle>
     <a:defPPr>
@@ -124,12 +120,12 @@
   <p:extLst>
     <p:ext uri="{EFAFB233-063F-42B5-8137-9DF3F51BA10A}">
       <p15:sldGuideLst xmlns:p15="http://schemas.microsoft.com/office/powerpoint/2012/main">
-        <p15:guide id="1" orient="horz" pos="2160">
+        <p15:guide id="1" orient="horz" pos="1620" userDrawn="1">
           <p15:clr>
             <a:srgbClr val="A4A3A4"/>
           </p15:clr>
         </p15:guide>
-        <p15:guide id="2" pos="2880">
+        <p15:guide id="2" pos="2880" userDrawn="1">
           <p15:clr>
             <a:srgbClr val="A4A3A4"/>
           </p15:clr>
@@ -169,8 +165,8 @@
         </p:nvSpPr>
         <p:spPr>
           <a:xfrm>
-            <a:off x="685800" y="2130425"/>
-            <a:ext cx="7772400" cy="1470025"/>
+            <a:off x="685800" y="1597819"/>
+            <a:ext cx="7772400" cy="1102519"/>
           </a:xfrm>
         </p:spPr>
         <p:txBody>
@@ -178,10 +174,9 @@
           <a:lstStyle/>
           <a:p>
             <a:r>
-              <a:rPr lang="en-US" smtClean="0"/>
+              <a:rPr lang="en-US"/>
               <a:t>Click to edit Master title style</a:t>
             </a:r>
-            <a:endParaRPr lang="en-US"/>
           </a:p>
         </p:txBody>
       </p:sp>
@@ -197,8 +192,8 @@
         </p:nvSpPr>
         <p:spPr>
           <a:xfrm>
-            <a:off x="1371600" y="3886200"/>
-            <a:ext cx="6400800" cy="1752600"/>
+            <a:off x="1371600" y="2914650"/>
+            <a:ext cx="6400800" cy="1314450"/>
           </a:xfrm>
         </p:spPr>
         <p:txBody>
@@ -214,7 +209,7 @@
                 </a:solidFill>
               </a:defRPr>
             </a:lvl1pPr>
-            <a:lvl2pPr marL="457200" indent="0" algn="ctr">
+            <a:lvl2pPr marL="342900" indent="0" algn="ctr">
               <a:buNone/>
               <a:defRPr>
                 <a:solidFill>
@@ -224,7 +219,7 @@
                 </a:solidFill>
               </a:defRPr>
             </a:lvl2pPr>
-            <a:lvl3pPr marL="914400" indent="0" algn="ctr">
+            <a:lvl3pPr marL="685800" indent="0" algn="ctr">
               <a:buNone/>
               <a:defRPr>
                 <a:solidFill>
@@ -234,7 +229,7 @@
                 </a:solidFill>
               </a:defRPr>
             </a:lvl3pPr>
-            <a:lvl4pPr marL="1371600" indent="0" algn="ctr">
+            <a:lvl4pPr marL="1028700" indent="0" algn="ctr">
               <a:buNone/>
               <a:defRPr>
                 <a:solidFill>
@@ -244,7 +239,7 @@
                 </a:solidFill>
               </a:defRPr>
             </a:lvl4pPr>
-            <a:lvl5pPr marL="1828800" indent="0" algn="ctr">
+            <a:lvl5pPr marL="1371600" indent="0" algn="ctr">
               <a:buNone/>
               <a:defRPr>
                 <a:solidFill>
@@ -254,7 +249,7 @@
                 </a:solidFill>
               </a:defRPr>
             </a:lvl5pPr>
-            <a:lvl6pPr marL="2286000" indent="0" algn="ctr">
+            <a:lvl6pPr marL="1714500" indent="0" algn="ctr">
               <a:buNone/>
               <a:defRPr>
                 <a:solidFill>
@@ -264,7 +259,7 @@
                 </a:solidFill>
               </a:defRPr>
             </a:lvl6pPr>
-            <a:lvl7pPr marL="2743200" indent="0" algn="ctr">
+            <a:lvl7pPr marL="2057400" indent="0" algn="ctr">
               <a:buNone/>
               <a:defRPr>
                 <a:solidFill>
@@ -274,7 +269,7 @@
                 </a:solidFill>
               </a:defRPr>
             </a:lvl7pPr>
-            <a:lvl8pPr marL="3200400" indent="0" algn="ctr">
+            <a:lvl8pPr marL="2400300" indent="0" algn="ctr">
               <a:buNone/>
               <a:defRPr>
                 <a:solidFill>
@@ -284,7 +279,7 @@
                 </a:solidFill>
               </a:defRPr>
             </a:lvl8pPr>
-            <a:lvl9pPr marL="3657600" indent="0" algn="ctr">
+            <a:lvl9pPr marL="2743200" indent="0" algn="ctr">
               <a:buNone/>
               <a:defRPr>
                 <a:solidFill>
@@ -297,10 +292,9 @@
           </a:lstStyle>
           <a:p>
             <a:r>
-              <a:rPr lang="en-US" smtClean="0"/>
+              <a:rPr lang="en-US"/>
               <a:t>Click to edit Master subtitle style</a:t>
             </a:r>
-            <a:endParaRPr lang="en-US"/>
           </a:p>
         </p:txBody>
       </p:sp>
@@ -321,7 +315,7 @@
           <a:p>
             <a:fld id="{241EB5C9-1307-BA42-ABA2-0BC069CD8E7F}" type="datetimeFigureOut">
               <a:rPr lang="en-US" smtClean="0"/>
-              <a:t>4/5/2019</a:t>
+              <a:t>1/2/22</a:t>
             </a:fld>
             <a:endParaRPr lang="en-US"/>
           </a:p>
@@ -415,10 +409,9 @@
           <a:lstStyle/>
           <a:p>
             <a:r>
-              <a:rPr lang="en-US" smtClean="0"/>
+              <a:rPr lang="en-US"/>
               <a:t>Click to edit Master title style</a:t>
             </a:r>
-            <a:endParaRPr lang="en-US"/>
           </a:p>
         </p:txBody>
       </p:sp>
@@ -439,38 +432,37 @@
           <a:p>
             <a:pPr lvl="0"/>
             <a:r>
-              <a:rPr lang="en-US" smtClean="0"/>
+              <a:rPr lang="en-US"/>
               <a:t>Click to edit Master text styles</a:t>
             </a:r>
           </a:p>
           <a:p>
             <a:pPr lvl="1"/>
             <a:r>
-              <a:rPr lang="en-US" smtClean="0"/>
+              <a:rPr lang="en-US"/>
               <a:t>Second level</a:t>
             </a:r>
           </a:p>
           <a:p>
             <a:pPr lvl="2"/>
             <a:r>
-              <a:rPr lang="en-US" smtClean="0"/>
+              <a:rPr lang="en-US"/>
               <a:t>Third level</a:t>
             </a:r>
           </a:p>
           <a:p>
             <a:pPr lvl="3"/>
             <a:r>
-              <a:rPr lang="en-US" smtClean="0"/>
+              <a:rPr lang="en-US"/>
               <a:t>Fourth level</a:t>
             </a:r>
           </a:p>
           <a:p>
             <a:pPr lvl="4"/>
             <a:r>
-              <a:rPr lang="en-US" smtClean="0"/>
+              <a:rPr lang="en-US"/>
               <a:t>Fifth level</a:t>
             </a:r>
-            <a:endParaRPr lang="en-US"/>
           </a:p>
         </p:txBody>
       </p:sp>
@@ -491,7 +483,7 @@
           <a:p>
             <a:fld id="{241EB5C9-1307-BA42-ABA2-0BC069CD8E7F}" type="datetimeFigureOut">
               <a:rPr lang="en-US" smtClean="0"/>
-              <a:t>4/5/2019</a:t>
+              <a:t>1/2/22</a:t>
             </a:fld>
             <a:endParaRPr lang="en-US"/>
           </a:p>
@@ -581,8 +573,8 @@
         </p:nvSpPr>
         <p:spPr>
           <a:xfrm>
-            <a:off x="6629400" y="274638"/>
-            <a:ext cx="2057400" cy="5851525"/>
+            <a:off x="6629400" y="205979"/>
+            <a:ext cx="2057400" cy="4388644"/>
           </a:xfrm>
         </p:spPr>
         <p:txBody>
@@ -590,10 +582,9 @@
           <a:lstStyle/>
           <a:p>
             <a:r>
-              <a:rPr lang="en-US" smtClean="0"/>
+              <a:rPr lang="en-US"/>
               <a:t>Click to edit Master title style</a:t>
             </a:r>
-            <a:endParaRPr lang="en-US"/>
           </a:p>
         </p:txBody>
       </p:sp>
@@ -609,8 +600,8 @@
         </p:nvSpPr>
         <p:spPr>
           <a:xfrm>
-            <a:off x="457200" y="274638"/>
-            <a:ext cx="6019800" cy="5851525"/>
+            <a:off x="457200" y="205979"/>
+            <a:ext cx="6019800" cy="4388644"/>
           </a:xfrm>
         </p:spPr>
         <p:txBody>
@@ -619,38 +610,37 @@
           <a:p>
             <a:pPr lvl="0"/>
             <a:r>
-              <a:rPr lang="en-US" smtClean="0"/>
+              <a:rPr lang="en-US"/>
               <a:t>Click to edit Master text styles</a:t>
             </a:r>
           </a:p>
           <a:p>
             <a:pPr lvl="1"/>
             <a:r>
-              <a:rPr lang="en-US" smtClean="0"/>
+              <a:rPr lang="en-US"/>
               <a:t>Second level</a:t>
             </a:r>
           </a:p>
           <a:p>
             <a:pPr lvl="2"/>
             <a:r>
-              <a:rPr lang="en-US" smtClean="0"/>
+              <a:rPr lang="en-US"/>
               <a:t>Third level</a:t>
             </a:r>
           </a:p>
           <a:p>
             <a:pPr lvl="3"/>
             <a:r>
-              <a:rPr lang="en-US" smtClean="0"/>
+              <a:rPr lang="en-US"/>
               <a:t>Fourth level</a:t>
             </a:r>
           </a:p>
           <a:p>
             <a:pPr lvl="4"/>
             <a:r>
-              <a:rPr lang="en-US" smtClean="0"/>
+              <a:rPr lang="en-US"/>
               <a:t>Fifth level</a:t>
             </a:r>
-            <a:endParaRPr lang="en-US"/>
           </a:p>
         </p:txBody>
       </p:sp>
@@ -671,7 +661,7 @@
           <a:p>
             <a:fld id="{241EB5C9-1307-BA42-ABA2-0BC069CD8E7F}" type="datetimeFigureOut">
               <a:rPr lang="en-US" smtClean="0"/>
-              <a:t>4/5/2019</a:t>
+              <a:t>1/2/22</a:t>
             </a:fld>
             <a:endParaRPr lang="en-US"/>
           </a:p>
@@ -765,10 +755,9 @@
           <a:lstStyle/>
           <a:p>
             <a:r>
-              <a:rPr lang="en-US" smtClean="0"/>
+              <a:rPr lang="en-US"/>
               <a:t>Click to edit Master title style</a:t>
             </a:r>
-            <a:endParaRPr lang="en-US"/>
           </a:p>
         </p:txBody>
       </p:sp>
@@ -789,38 +778,37 @@
           <a:p>
             <a:pPr lvl="0"/>
             <a:r>
-              <a:rPr lang="en-US" smtClean="0"/>
+              <a:rPr lang="en-US"/>
               <a:t>Click to edit Master text styles</a:t>
             </a:r>
           </a:p>
           <a:p>
             <a:pPr lvl="1"/>
             <a:r>
-              <a:rPr lang="en-US" smtClean="0"/>
+              <a:rPr lang="en-US"/>
               <a:t>Second level</a:t>
             </a:r>
           </a:p>
           <a:p>
             <a:pPr lvl="2"/>
             <a:r>
-              <a:rPr lang="en-US" smtClean="0"/>
+              <a:rPr lang="en-US"/>
               <a:t>Third level</a:t>
             </a:r>
           </a:p>
           <a:p>
             <a:pPr lvl="3"/>
             <a:r>
-              <a:rPr lang="en-US" smtClean="0"/>
+              <a:rPr lang="en-US"/>
               <a:t>Fourth level</a:t>
             </a:r>
           </a:p>
           <a:p>
             <a:pPr lvl="4"/>
             <a:r>
-              <a:rPr lang="en-US" smtClean="0"/>
+              <a:rPr lang="en-US"/>
               <a:t>Fifth level</a:t>
             </a:r>
-            <a:endParaRPr lang="en-US"/>
           </a:p>
         </p:txBody>
       </p:sp>
@@ -841,7 +829,7 @@
           <a:p>
             <a:fld id="{241EB5C9-1307-BA42-ABA2-0BC069CD8E7F}" type="datetimeFigureOut">
               <a:rPr lang="en-US" smtClean="0"/>
-              <a:t>4/5/2019</a:t>
+              <a:t>1/2/22</a:t>
             </a:fld>
             <a:endParaRPr lang="en-US"/>
           </a:p>
@@ -931,23 +919,22 @@
         </p:nvSpPr>
         <p:spPr>
           <a:xfrm>
-            <a:off x="722313" y="4406900"/>
-            <a:ext cx="7772400" cy="1362075"/>
+            <a:off x="722313" y="3305176"/>
+            <a:ext cx="7772400" cy="1021556"/>
           </a:xfrm>
         </p:spPr>
         <p:txBody>
           <a:bodyPr anchor="t"/>
           <a:lstStyle>
             <a:lvl1pPr algn="l">
-              <a:defRPr sz="4000" b="1" cap="all"/>
+              <a:defRPr sz="3000" b="1" cap="all"/>
             </a:lvl1pPr>
           </a:lstStyle>
           <a:p>
             <a:r>
-              <a:rPr lang="en-US" smtClean="0"/>
+              <a:rPr lang="en-US"/>
               <a:t>Click to edit Master title style</a:t>
             </a:r>
-            <a:endParaRPr lang="en-US"/>
           </a:p>
         </p:txBody>
       </p:sp>
@@ -963,8 +950,8 @@
         </p:nvSpPr>
         <p:spPr>
           <a:xfrm>
-            <a:off x="722313" y="2906713"/>
-            <a:ext cx="7772400" cy="1500187"/>
+            <a:off x="722313" y="2180035"/>
+            <a:ext cx="7772400" cy="1125140"/>
           </a:xfrm>
         </p:spPr>
         <p:txBody>
@@ -972,7 +959,7 @@
           <a:lstStyle>
             <a:lvl1pPr marL="0" indent="0">
               <a:buNone/>
-              <a:defRPr sz="2000">
+              <a:defRPr sz="1500">
                 <a:solidFill>
                   <a:schemeClr val="tx1">
                     <a:tint val="75000"/>
@@ -980,9 +967,9 @@
                 </a:solidFill>
               </a:defRPr>
             </a:lvl1pPr>
-            <a:lvl2pPr marL="457200" indent="0">
-              <a:buNone/>
-              <a:defRPr sz="1800">
+            <a:lvl2pPr marL="342900" indent="0">
+              <a:buNone/>
+              <a:defRPr sz="1350">
                 <a:solidFill>
                   <a:schemeClr val="tx1">
                     <a:tint val="75000"/>
@@ -990,9 +977,9 @@
                 </a:solidFill>
               </a:defRPr>
             </a:lvl2pPr>
-            <a:lvl3pPr marL="914400" indent="0">
-              <a:buNone/>
-              <a:defRPr sz="1600">
+            <a:lvl3pPr marL="685800" indent="0">
+              <a:buNone/>
+              <a:defRPr sz="1200">
                 <a:solidFill>
                   <a:schemeClr val="tx1">
                     <a:tint val="75000"/>
@@ -1000,9 +987,9 @@
                 </a:solidFill>
               </a:defRPr>
             </a:lvl3pPr>
-            <a:lvl4pPr marL="1371600" indent="0">
-              <a:buNone/>
-              <a:defRPr sz="1400">
+            <a:lvl4pPr marL="1028700" indent="0">
+              <a:buNone/>
+              <a:defRPr sz="1050">
                 <a:solidFill>
                   <a:schemeClr val="tx1">
                     <a:tint val="75000"/>
@@ -1010,9 +997,9 @@
                 </a:solidFill>
               </a:defRPr>
             </a:lvl4pPr>
-            <a:lvl5pPr marL="1828800" indent="0">
-              <a:buNone/>
-              <a:defRPr sz="1400">
+            <a:lvl5pPr marL="1371600" indent="0">
+              <a:buNone/>
+              <a:defRPr sz="1050">
                 <a:solidFill>
                   <a:schemeClr val="tx1">
                     <a:tint val="75000"/>
@@ -1020,9 +1007,9 @@
                 </a:solidFill>
               </a:defRPr>
             </a:lvl5pPr>
-            <a:lvl6pPr marL="2286000" indent="0">
-              <a:buNone/>
-              <a:defRPr sz="1400">
+            <a:lvl6pPr marL="1714500" indent="0">
+              <a:buNone/>
+              <a:defRPr sz="1050">
                 <a:solidFill>
                   <a:schemeClr val="tx1">
                     <a:tint val="75000"/>
@@ -1030,9 +1017,9 @@
                 </a:solidFill>
               </a:defRPr>
             </a:lvl6pPr>
-            <a:lvl7pPr marL="2743200" indent="0">
-              <a:buNone/>
-              <a:defRPr sz="1400">
+            <a:lvl7pPr marL="2057400" indent="0">
+              <a:buNone/>
+              <a:defRPr sz="1050">
                 <a:solidFill>
                   <a:schemeClr val="tx1">
                     <a:tint val="75000"/>
@@ -1040,9 +1027,9 @@
                 </a:solidFill>
               </a:defRPr>
             </a:lvl7pPr>
-            <a:lvl8pPr marL="3200400" indent="0">
-              <a:buNone/>
-              <a:defRPr sz="1400">
+            <a:lvl8pPr marL="2400300" indent="0">
+              <a:buNone/>
+              <a:defRPr sz="1050">
                 <a:solidFill>
                   <a:schemeClr val="tx1">
                     <a:tint val="75000"/>
@@ -1050,9 +1037,9 @@
                 </a:solidFill>
               </a:defRPr>
             </a:lvl8pPr>
-            <a:lvl9pPr marL="3657600" indent="0">
-              <a:buNone/>
-              <a:defRPr sz="1400">
+            <a:lvl9pPr marL="2743200" indent="0">
+              <a:buNone/>
+              <a:defRPr sz="1050">
                 <a:solidFill>
                   <a:schemeClr val="tx1">
                     <a:tint val="75000"/>
@@ -1064,7 +1051,7 @@
           <a:p>
             <a:pPr lvl="0"/>
             <a:r>
-              <a:rPr lang="en-US" smtClean="0"/>
+              <a:rPr lang="en-US"/>
               <a:t>Click to edit Master text styles</a:t>
             </a:r>
           </a:p>
@@ -1087,7 +1074,7 @@
           <a:p>
             <a:fld id="{241EB5C9-1307-BA42-ABA2-0BC069CD8E7F}" type="datetimeFigureOut">
               <a:rPr lang="en-US" smtClean="0"/>
-              <a:t>4/5/2019</a:t>
+              <a:t>1/2/22</a:t>
             </a:fld>
             <a:endParaRPr lang="en-US"/>
           </a:p>
@@ -1181,10 +1168,9 @@
           <a:lstStyle/>
           <a:p>
             <a:r>
-              <a:rPr lang="en-US" smtClean="0"/>
+              <a:rPr lang="en-US"/>
               <a:t>Click to edit Master title style</a:t>
             </a:r>
-            <a:endParaRPr lang="en-US"/>
           </a:p>
         </p:txBody>
       </p:sp>
@@ -1200,76 +1186,75 @@
         </p:nvSpPr>
         <p:spPr>
           <a:xfrm>
-            <a:off x="457200" y="1600200"/>
-            <a:ext cx="4038600" cy="4525963"/>
+            <a:off x="457200" y="1200151"/>
+            <a:ext cx="4038600" cy="3394472"/>
           </a:xfrm>
         </p:spPr>
         <p:txBody>
           <a:bodyPr/>
           <a:lstStyle>
             <a:lvl1pPr>
-              <a:defRPr sz="2800"/>
+              <a:defRPr sz="2100"/>
             </a:lvl1pPr>
             <a:lvl2pPr>
-              <a:defRPr sz="2400"/>
+              <a:defRPr sz="1800"/>
             </a:lvl2pPr>
             <a:lvl3pPr>
-              <a:defRPr sz="2000"/>
+              <a:defRPr sz="1500"/>
             </a:lvl3pPr>
             <a:lvl4pPr>
-              <a:defRPr sz="1800"/>
+              <a:defRPr sz="1350"/>
             </a:lvl4pPr>
             <a:lvl5pPr>
-              <a:defRPr sz="1800"/>
+              <a:defRPr sz="1350"/>
             </a:lvl5pPr>
             <a:lvl6pPr>
-              <a:defRPr sz="1800"/>
+              <a:defRPr sz="1350"/>
             </a:lvl6pPr>
             <a:lvl7pPr>
-              <a:defRPr sz="1800"/>
+              <a:defRPr sz="1350"/>
             </a:lvl7pPr>
             <a:lvl8pPr>
-              <a:defRPr sz="1800"/>
+              <a:defRPr sz="1350"/>
             </a:lvl8pPr>
             <a:lvl9pPr>
-              <a:defRPr sz="1800"/>
+              <a:defRPr sz="1350"/>
             </a:lvl9pPr>
           </a:lstStyle>
           <a:p>
             <a:pPr lvl="0"/>
             <a:r>
-              <a:rPr lang="en-US" smtClean="0"/>
+              <a:rPr lang="en-US"/>
               <a:t>Click to edit Master text styles</a:t>
             </a:r>
           </a:p>
           <a:p>
             <a:pPr lvl="1"/>
             <a:r>
-              <a:rPr lang="en-US" smtClean="0"/>
+              <a:rPr lang="en-US"/>
               <a:t>Second level</a:t>
             </a:r>
           </a:p>
           <a:p>
             <a:pPr lvl="2"/>
             <a:r>
-              <a:rPr lang="en-US" smtClean="0"/>
+              <a:rPr lang="en-US"/>
               <a:t>Third level</a:t>
             </a:r>
           </a:p>
           <a:p>
             <a:pPr lvl="3"/>
             <a:r>
-              <a:rPr lang="en-US" smtClean="0"/>
+              <a:rPr lang="en-US"/>
               <a:t>Fourth level</a:t>
             </a:r>
           </a:p>
           <a:p>
             <a:pPr lvl="4"/>
             <a:r>
-              <a:rPr lang="en-US" smtClean="0"/>
+              <a:rPr lang="en-US"/>
               <a:t>Fifth level</a:t>
             </a:r>
-            <a:endParaRPr lang="en-US"/>
           </a:p>
         </p:txBody>
       </p:sp>
@@ -1285,76 +1270,75 @@
         </p:nvSpPr>
         <p:spPr>
           <a:xfrm>
-            <a:off x="4648200" y="1600200"/>
-            <a:ext cx="4038600" cy="4525963"/>
+            <a:off x="4648200" y="1200151"/>
+            <a:ext cx="4038600" cy="3394472"/>
           </a:xfrm>
         </p:spPr>
         <p:txBody>
           <a:bodyPr/>
           <a:lstStyle>
             <a:lvl1pPr>
-              <a:defRPr sz="2800"/>
+              <a:defRPr sz="2100"/>
             </a:lvl1pPr>
             <a:lvl2pPr>
-              <a:defRPr sz="2400"/>
+              <a:defRPr sz="1800"/>
             </a:lvl2pPr>
             <a:lvl3pPr>
-              <a:defRPr sz="2000"/>
+              <a:defRPr sz="1500"/>
             </a:lvl3pPr>
             <a:lvl4pPr>
-              <a:defRPr sz="1800"/>
+              <a:defRPr sz="1350"/>
             </a:lvl4pPr>
             <a:lvl5pPr>
-              <a:defRPr sz="1800"/>
+              <a:defRPr sz="1350"/>
             </a:lvl5pPr>
             <a:lvl6pPr>
-              <a:defRPr sz="1800"/>
+              <a:defRPr sz="1350"/>
             </a:lvl6pPr>
             <a:lvl7pPr>
-              <a:defRPr sz="1800"/>
+              <a:defRPr sz="1350"/>
             </a:lvl7pPr>
             <a:lvl8pPr>
-              <a:defRPr sz="1800"/>
+              <a:defRPr sz="1350"/>
             </a:lvl8pPr>
             <a:lvl9pPr>
-              <a:defRPr sz="1800"/>
+              <a:defRPr sz="1350"/>
             </a:lvl9pPr>
           </a:lstStyle>
           <a:p>
             <a:pPr lvl="0"/>
             <a:r>
-              <a:rPr lang="en-US" smtClean="0"/>
+              <a:rPr lang="en-US"/>
               <a:t>Click to edit Master text styles</a:t>
             </a:r>
           </a:p>
           <a:p>
             <a:pPr lvl="1"/>
             <a:r>
-              <a:rPr lang="en-US" smtClean="0"/>
+              <a:rPr lang="en-US"/>
               <a:t>Second level</a:t>
             </a:r>
           </a:p>
           <a:p>
             <a:pPr lvl="2"/>
             <a:r>
-              <a:rPr lang="en-US" smtClean="0"/>
+              <a:rPr lang="en-US"/>
               <a:t>Third level</a:t>
             </a:r>
           </a:p>
           <a:p>
             <a:pPr lvl="3"/>
             <a:r>
-              <a:rPr lang="en-US" smtClean="0"/>
+              <a:rPr lang="en-US"/>
               <a:t>Fourth level</a:t>
             </a:r>
           </a:p>
           <a:p>
             <a:pPr lvl="4"/>
             <a:r>
-              <a:rPr lang="en-US" smtClean="0"/>
+              <a:rPr lang="en-US"/>
               <a:t>Fifth level</a:t>
             </a:r>
-            <a:endParaRPr lang="en-US"/>
           </a:p>
         </p:txBody>
       </p:sp>
@@ -1375,7 +1359,7 @@
           <a:p>
             <a:fld id="{241EB5C9-1307-BA42-ABA2-0BC069CD8E7F}" type="datetimeFigureOut">
               <a:rPr lang="en-US" smtClean="0"/>
-              <a:t>4/5/2019</a:t>
+              <a:t>1/2/22</a:t>
             </a:fld>
             <a:endParaRPr lang="en-US"/>
           </a:p>
@@ -1473,10 +1457,9 @@
           </a:lstStyle>
           <a:p>
             <a:r>
-              <a:rPr lang="en-US" smtClean="0"/>
+              <a:rPr lang="en-US"/>
               <a:t>Click to edit Master title style</a:t>
             </a:r>
-            <a:endParaRPr lang="en-US"/>
           </a:p>
         </p:txBody>
       </p:sp>
@@ -1492,8 +1475,8 @@
         </p:nvSpPr>
         <p:spPr>
           <a:xfrm>
-            <a:off x="457200" y="1535113"/>
-            <a:ext cx="4040188" cy="639762"/>
+            <a:off x="457200" y="1151335"/>
+            <a:ext cx="4040188" cy="479822"/>
           </a:xfrm>
         </p:spPr>
         <p:txBody>
@@ -1501,45 +1484,45 @@
           <a:lstStyle>
             <a:lvl1pPr marL="0" indent="0">
               <a:buNone/>
-              <a:defRPr sz="2400" b="1"/>
+              <a:defRPr sz="1800" b="1"/>
             </a:lvl1pPr>
-            <a:lvl2pPr marL="457200" indent="0">
-              <a:buNone/>
-              <a:defRPr sz="2000" b="1"/>
+            <a:lvl2pPr marL="342900" indent="0">
+              <a:buNone/>
+              <a:defRPr sz="1500" b="1"/>
             </a:lvl2pPr>
-            <a:lvl3pPr marL="914400" indent="0">
-              <a:buNone/>
-              <a:defRPr sz="1800" b="1"/>
+            <a:lvl3pPr marL="685800" indent="0">
+              <a:buNone/>
+              <a:defRPr sz="1350" b="1"/>
             </a:lvl3pPr>
-            <a:lvl4pPr marL="1371600" indent="0">
-              <a:buNone/>
-              <a:defRPr sz="1600" b="1"/>
+            <a:lvl4pPr marL="1028700" indent="0">
+              <a:buNone/>
+              <a:defRPr sz="1200" b="1"/>
             </a:lvl4pPr>
-            <a:lvl5pPr marL="1828800" indent="0">
-              <a:buNone/>
-              <a:defRPr sz="1600" b="1"/>
+            <a:lvl5pPr marL="1371600" indent="0">
+              <a:buNone/>
+              <a:defRPr sz="1200" b="1"/>
             </a:lvl5pPr>
-            <a:lvl6pPr marL="2286000" indent="0">
-              <a:buNone/>
-              <a:defRPr sz="1600" b="1"/>
+            <a:lvl6pPr marL="1714500" indent="0">
+              <a:buNone/>
+              <a:defRPr sz="1200" b="1"/>
             </a:lvl6pPr>
-            <a:lvl7pPr marL="2743200" indent="0">
-              <a:buNone/>
-              <a:defRPr sz="1600" b="1"/>
+            <a:lvl7pPr marL="2057400" indent="0">
+              <a:buNone/>
+              <a:defRPr sz="1200" b="1"/>
             </a:lvl7pPr>
-            <a:lvl8pPr marL="3200400" indent="0">
-              <a:buNone/>
-              <a:defRPr sz="1600" b="1"/>
+            <a:lvl8pPr marL="2400300" indent="0">
+              <a:buNone/>
+              <a:defRPr sz="1200" b="1"/>
             </a:lvl8pPr>
-            <a:lvl9pPr marL="3657600" indent="0">
-              <a:buNone/>
-              <a:defRPr sz="1600" b="1"/>
+            <a:lvl9pPr marL="2743200" indent="0">
+              <a:buNone/>
+              <a:defRPr sz="1200" b="1"/>
             </a:lvl9pPr>
           </a:lstStyle>
           <a:p>
             <a:pPr lvl="0"/>
             <a:r>
-              <a:rPr lang="en-US" smtClean="0"/>
+              <a:rPr lang="en-US"/>
               <a:t>Click to edit Master text styles</a:t>
             </a:r>
           </a:p>
@@ -1557,76 +1540,75 @@
         </p:nvSpPr>
         <p:spPr>
           <a:xfrm>
-            <a:off x="457200" y="2174875"/>
-            <a:ext cx="4040188" cy="3951288"/>
+            <a:off x="457200" y="1631156"/>
+            <a:ext cx="4040188" cy="2963466"/>
           </a:xfrm>
         </p:spPr>
         <p:txBody>
           <a:bodyPr/>
           <a:lstStyle>
             <a:lvl1pPr>
-              <a:defRPr sz="2400"/>
+              <a:defRPr sz="1800"/>
             </a:lvl1pPr>
             <a:lvl2pPr>
-              <a:defRPr sz="2000"/>
+              <a:defRPr sz="1500"/>
             </a:lvl2pPr>
             <a:lvl3pPr>
-              <a:defRPr sz="1800"/>
+              <a:defRPr sz="1350"/>
             </a:lvl3pPr>
             <a:lvl4pPr>
-              <a:defRPr sz="1600"/>
+              <a:defRPr sz="1200"/>
             </a:lvl4pPr>
             <a:lvl5pPr>
-              <a:defRPr sz="1600"/>
+              <a:defRPr sz="1200"/>
             </a:lvl5pPr>
             <a:lvl6pPr>
-              <a:defRPr sz="1600"/>
+              <a:defRPr sz="1200"/>
             </a:lvl6pPr>
             <a:lvl7pPr>
-              <a:defRPr sz="1600"/>
+              <a:defRPr sz="1200"/>
             </a:lvl7pPr>
             <a:lvl8pPr>
-              <a:defRPr sz="1600"/>
+              <a:defRPr sz="1200"/>
             </a:lvl8pPr>
             <a:lvl9pPr>
-              <a:defRPr sz="1600"/>
+              <a:defRPr sz="1200"/>
             </a:lvl9pPr>
           </a:lstStyle>
           <a:p>
             <a:pPr lvl="0"/>
             <a:r>
-              <a:rPr lang="en-US" smtClean="0"/>
+              <a:rPr lang="en-US"/>
               <a:t>Click to edit Master text styles</a:t>
             </a:r>
           </a:p>
           <a:p>
             <a:pPr lvl="1"/>
             <a:r>
-              <a:rPr lang="en-US" smtClean="0"/>
+              <a:rPr lang="en-US"/>
               <a:t>Second level</a:t>
             </a:r>
           </a:p>
           <a:p>
             <a:pPr lvl="2"/>
             <a:r>
-              <a:rPr lang="en-US" smtClean="0"/>
+              <a:rPr lang="en-US"/>
               <a:t>Third level</a:t>
             </a:r>
           </a:p>
           <a:p>
             <a:pPr lvl="3"/>
             <a:r>
-              <a:rPr lang="en-US" smtClean="0"/>
+              <a:rPr lang="en-US"/>
               <a:t>Fourth level</a:t>
             </a:r>
           </a:p>
           <a:p>
             <a:pPr lvl="4"/>
             <a:r>
-              <a:rPr lang="en-US" smtClean="0"/>
+              <a:rPr lang="en-US"/>
               <a:t>Fifth level</a:t>
             </a:r>
-            <a:endParaRPr lang="en-US"/>
           </a:p>
         </p:txBody>
       </p:sp>
@@ -1642,8 +1624,8 @@
         </p:nvSpPr>
         <p:spPr>
           <a:xfrm>
-            <a:off x="4645025" y="1535113"/>
-            <a:ext cx="4041775" cy="639762"/>
+            <a:off x="4645026" y="1151335"/>
+            <a:ext cx="4041775" cy="479822"/>
           </a:xfrm>
         </p:spPr>
         <p:txBody>
@@ -1651,45 +1633,45 @@
           <a:lstStyle>
             <a:lvl1pPr marL="0" indent="0">
               <a:buNone/>
-              <a:defRPr sz="2400" b="1"/>
+              <a:defRPr sz="1800" b="1"/>
             </a:lvl1pPr>
-            <a:lvl2pPr marL="457200" indent="0">
-              <a:buNone/>
-              <a:defRPr sz="2000" b="1"/>
+            <a:lvl2pPr marL="342900" indent="0">
+              <a:buNone/>
+              <a:defRPr sz="1500" b="1"/>
             </a:lvl2pPr>
-            <a:lvl3pPr marL="914400" indent="0">
-              <a:buNone/>
-              <a:defRPr sz="1800" b="1"/>
+            <a:lvl3pPr marL="685800" indent="0">
+              <a:buNone/>
+              <a:defRPr sz="1350" b="1"/>
             </a:lvl3pPr>
-            <a:lvl4pPr marL="1371600" indent="0">
-              <a:buNone/>
-              <a:defRPr sz="1600" b="1"/>
+            <a:lvl4pPr marL="1028700" indent="0">
+              <a:buNone/>
+              <a:defRPr sz="1200" b="1"/>
             </a:lvl4pPr>
-            <a:lvl5pPr marL="1828800" indent="0">
-              <a:buNone/>
-              <a:defRPr sz="1600" b="1"/>
+            <a:lvl5pPr marL="1371600" indent="0">
+              <a:buNone/>
+              <a:defRPr sz="1200" b="1"/>
             </a:lvl5pPr>
-            <a:lvl6pPr marL="2286000" indent="0">
-              <a:buNone/>
-              <a:defRPr sz="1600" b="1"/>
+            <a:lvl6pPr marL="1714500" indent="0">
+              <a:buNone/>
+              <a:defRPr sz="1200" b="1"/>
             </a:lvl6pPr>
-            <a:lvl7pPr marL="2743200" indent="0">
-              <a:buNone/>
-              <a:defRPr sz="1600" b="1"/>
+            <a:lvl7pPr marL="2057400" indent="0">
+              <a:buNone/>
+              <a:defRPr sz="1200" b="1"/>
             </a:lvl7pPr>
-            <a:lvl8pPr marL="3200400" indent="0">
-              <a:buNone/>
-              <a:defRPr sz="1600" b="1"/>
+            <a:lvl8pPr marL="2400300" indent="0">
+              <a:buNone/>
+              <a:defRPr sz="1200" b="1"/>
             </a:lvl8pPr>
-            <a:lvl9pPr marL="3657600" indent="0">
-              <a:buNone/>
-              <a:defRPr sz="1600" b="1"/>
+            <a:lvl9pPr marL="2743200" indent="0">
+              <a:buNone/>
+              <a:defRPr sz="1200" b="1"/>
             </a:lvl9pPr>
           </a:lstStyle>
           <a:p>
             <a:pPr lvl="0"/>
             <a:r>
-              <a:rPr lang="en-US" smtClean="0"/>
+              <a:rPr lang="en-US"/>
               <a:t>Click to edit Master text styles</a:t>
             </a:r>
           </a:p>
@@ -1707,76 +1689,75 @@
         </p:nvSpPr>
         <p:spPr>
           <a:xfrm>
-            <a:off x="4645025" y="2174875"/>
-            <a:ext cx="4041775" cy="3951288"/>
+            <a:off x="4645026" y="1631156"/>
+            <a:ext cx="4041775" cy="2963466"/>
           </a:xfrm>
         </p:spPr>
         <p:txBody>
           <a:bodyPr/>
           <a:lstStyle>
             <a:lvl1pPr>
-              <a:defRPr sz="2400"/>
+              <a:defRPr sz="1800"/>
             </a:lvl1pPr>
             <a:lvl2pPr>
-              <a:defRPr sz="2000"/>
+              <a:defRPr sz="1500"/>
             </a:lvl2pPr>
             <a:lvl3pPr>
-              <a:defRPr sz="1800"/>
+              <a:defRPr sz="1350"/>
             </a:lvl3pPr>
             <a:lvl4pPr>
-              <a:defRPr sz="1600"/>
+              <a:defRPr sz="1200"/>
             </a:lvl4pPr>
             <a:lvl5pPr>
-              <a:defRPr sz="1600"/>
+              <a:defRPr sz="1200"/>
             </a:lvl5pPr>
             <a:lvl6pPr>
-              <a:defRPr sz="1600"/>
+              <a:defRPr sz="1200"/>
             </a:lvl6pPr>
             <a:lvl7pPr>
-              <a:defRPr sz="1600"/>
+              <a:defRPr sz="1200"/>
             </a:lvl7pPr>
             <a:lvl8pPr>
-              <a:defRPr sz="1600"/>
+              <a:defRPr sz="1200"/>
             </a:lvl8pPr>
             <a:lvl9pPr>
-              <a:defRPr sz="1600"/>
+              <a:defRPr sz="1200"/>
             </a:lvl9pPr>
           </a:lstStyle>
           <a:p>
             <a:pPr lvl="0"/>
             <a:r>
-              <a:rPr lang="en-US" smtClean="0"/>
+              <a:rPr lang="en-US"/>
               <a:t>Click to edit Master text styles</a:t>
             </a:r>
           </a:p>
           <a:p>
             <a:pPr lvl="1"/>
             <a:r>
-              <a:rPr lang="en-US" smtClean="0"/>
+              <a:rPr lang="en-US"/>
               <a:t>Second level</a:t>
             </a:r>
           </a:p>
           <a:p>
             <a:pPr lvl="2"/>
             <a:r>
-              <a:rPr lang="en-US" smtClean="0"/>
+              <a:rPr lang="en-US"/>
               <a:t>Third level</a:t>
             </a:r>
           </a:p>
           <a:p>
             <a:pPr lvl="3"/>
             <a:r>
-              <a:rPr lang="en-US" smtClean="0"/>
+              <a:rPr lang="en-US"/>
               <a:t>Fourth level</a:t>
             </a:r>
           </a:p>
           <a:p>
             <a:pPr lvl="4"/>
             <a:r>
-              <a:rPr lang="en-US" smtClean="0"/>
+              <a:rPr lang="en-US"/>
               <a:t>Fifth level</a:t>
             </a:r>
-            <a:endParaRPr lang="en-US"/>
           </a:p>
         </p:txBody>
       </p:sp>
@@ -1797,7 +1778,7 @@
           <a:p>
             <a:fld id="{241EB5C9-1307-BA42-ABA2-0BC069CD8E7F}" type="datetimeFigureOut">
               <a:rPr lang="en-US" smtClean="0"/>
-              <a:t>4/5/2019</a:t>
+              <a:t>1/2/22</a:t>
             </a:fld>
             <a:endParaRPr lang="en-US"/>
           </a:p>
@@ -1891,10 +1872,9 @@
           <a:lstStyle/>
           <a:p>
             <a:r>
-              <a:rPr lang="en-US" smtClean="0"/>
+              <a:rPr lang="en-US"/>
               <a:t>Click to edit Master title style</a:t>
             </a:r>
-            <a:endParaRPr lang="en-US"/>
           </a:p>
         </p:txBody>
       </p:sp>
@@ -1915,7 +1895,7 @@
           <a:p>
             <a:fld id="{241EB5C9-1307-BA42-ABA2-0BC069CD8E7F}" type="datetimeFigureOut">
               <a:rPr lang="en-US" smtClean="0"/>
-              <a:t>4/5/2019</a:t>
+              <a:t>1/2/22</a:t>
             </a:fld>
             <a:endParaRPr lang="en-US"/>
           </a:p>
@@ -2010,7 +1990,7 @@
           <a:p>
             <a:fld id="{241EB5C9-1307-BA42-ABA2-0BC069CD8E7F}" type="datetimeFigureOut">
               <a:rPr lang="en-US" smtClean="0"/>
-              <a:t>4/5/2019</a:t>
+              <a:t>1/2/22</a:t>
             </a:fld>
             <a:endParaRPr lang="en-US"/>
           </a:p>
@@ -2100,23 +2080,22 @@
         </p:nvSpPr>
         <p:spPr>
           <a:xfrm>
-            <a:off x="457200" y="273050"/>
-            <a:ext cx="3008313" cy="1162050"/>
+            <a:off x="457201" y="204787"/>
+            <a:ext cx="3008313" cy="871538"/>
           </a:xfrm>
         </p:spPr>
         <p:txBody>
           <a:bodyPr anchor="b"/>
           <a:lstStyle>
             <a:lvl1pPr algn="l">
-              <a:defRPr sz="2000" b="1"/>
+              <a:defRPr sz="1500" b="1"/>
             </a:lvl1pPr>
           </a:lstStyle>
           <a:p>
             <a:r>
-              <a:rPr lang="en-US" smtClean="0"/>
+              <a:rPr lang="en-US"/>
               <a:t>Click to edit Master title style</a:t>
             </a:r>
-            <a:endParaRPr lang="en-US"/>
           </a:p>
         </p:txBody>
       </p:sp>
@@ -2132,76 +2111,75 @@
         </p:nvSpPr>
         <p:spPr>
           <a:xfrm>
-            <a:off x="3575050" y="273050"/>
-            <a:ext cx="5111750" cy="5853113"/>
+            <a:off x="3575050" y="204788"/>
+            <a:ext cx="5111750" cy="4389835"/>
           </a:xfrm>
         </p:spPr>
         <p:txBody>
           <a:bodyPr/>
           <a:lstStyle>
             <a:lvl1pPr>
-              <a:defRPr sz="3200"/>
+              <a:defRPr sz="2400"/>
             </a:lvl1pPr>
             <a:lvl2pPr>
-              <a:defRPr sz="2800"/>
+              <a:defRPr sz="2100"/>
             </a:lvl2pPr>
             <a:lvl3pPr>
-              <a:defRPr sz="2400"/>
+              <a:defRPr sz="1800"/>
             </a:lvl3pPr>
             <a:lvl4pPr>
-              <a:defRPr sz="2000"/>
+              <a:defRPr sz="1500"/>
             </a:lvl4pPr>
             <a:lvl5pPr>
-              <a:defRPr sz="2000"/>
+              <a:defRPr sz="1500"/>
             </a:lvl5pPr>
             <a:lvl6pPr>
-              <a:defRPr sz="2000"/>
+              <a:defRPr sz="1500"/>
             </a:lvl6pPr>
             <a:lvl7pPr>
-              <a:defRPr sz="2000"/>
+              <a:defRPr sz="1500"/>
             </a:lvl7pPr>
             <a:lvl8pPr>
-              <a:defRPr sz="2000"/>
+              <a:defRPr sz="1500"/>
             </a:lvl8pPr>
             <a:lvl9pPr>
-              <a:defRPr sz="2000"/>
+              <a:defRPr sz="1500"/>
             </a:lvl9pPr>
           </a:lstStyle>
           <a:p>
             <a:pPr lvl="0"/>
             <a:r>
-              <a:rPr lang="en-US" smtClean="0"/>
+              <a:rPr lang="en-US"/>
               <a:t>Click to edit Master text styles</a:t>
             </a:r>
           </a:p>
           <a:p>
             <a:pPr lvl="1"/>
             <a:r>
-              <a:rPr lang="en-US" smtClean="0"/>
+              <a:rPr lang="en-US"/>
               <a:t>Second level</a:t>
             </a:r>
           </a:p>
           <a:p>
             <a:pPr lvl="2"/>
             <a:r>
-              <a:rPr lang="en-US" smtClean="0"/>
+              <a:rPr lang="en-US"/>
               <a:t>Third level</a:t>
             </a:r>
           </a:p>
           <a:p>
             <a:pPr lvl="3"/>
             <a:r>
-              <a:rPr lang="en-US" smtClean="0"/>
+              <a:rPr lang="en-US"/>
               <a:t>Fourth level</a:t>
             </a:r>
           </a:p>
           <a:p>
             <a:pPr lvl="4"/>
             <a:r>
-              <a:rPr lang="en-US" smtClean="0"/>
+              <a:rPr lang="en-US"/>
               <a:t>Fifth level</a:t>
             </a:r>
-            <a:endParaRPr lang="en-US"/>
           </a:p>
         </p:txBody>
       </p:sp>
@@ -2217,8 +2195,8 @@
         </p:nvSpPr>
         <p:spPr>
           <a:xfrm>
-            <a:off x="457200" y="1435100"/>
-            <a:ext cx="3008313" cy="4691063"/>
+            <a:off x="457201" y="1076326"/>
+            <a:ext cx="3008313" cy="3518297"/>
           </a:xfrm>
         </p:spPr>
         <p:txBody>
@@ -2226,45 +2204,45 @@
           <a:lstStyle>
             <a:lvl1pPr marL="0" indent="0">
               <a:buNone/>
-              <a:defRPr sz="1400"/>
+              <a:defRPr sz="1050"/>
             </a:lvl1pPr>
-            <a:lvl2pPr marL="457200" indent="0">
-              <a:buNone/>
-              <a:defRPr sz="1200"/>
+            <a:lvl2pPr marL="342900" indent="0">
+              <a:buNone/>
+              <a:defRPr sz="900"/>
             </a:lvl2pPr>
-            <a:lvl3pPr marL="914400" indent="0">
-              <a:buNone/>
-              <a:defRPr sz="1000"/>
+            <a:lvl3pPr marL="685800" indent="0">
+              <a:buNone/>
+              <a:defRPr sz="750"/>
             </a:lvl3pPr>
-            <a:lvl4pPr marL="1371600" indent="0">
-              <a:buNone/>
-              <a:defRPr sz="900"/>
+            <a:lvl4pPr marL="1028700" indent="0">
+              <a:buNone/>
+              <a:defRPr sz="675"/>
             </a:lvl4pPr>
-            <a:lvl5pPr marL="1828800" indent="0">
-              <a:buNone/>
-              <a:defRPr sz="900"/>
+            <a:lvl5pPr marL="1371600" indent="0">
+              <a:buNone/>
+              <a:defRPr sz="675"/>
             </a:lvl5pPr>
-            <a:lvl6pPr marL="2286000" indent="0">
-              <a:buNone/>
-              <a:defRPr sz="900"/>
+            <a:lvl6pPr marL="1714500" indent="0">
+              <a:buNone/>
+              <a:defRPr sz="675"/>
             </a:lvl6pPr>
-            <a:lvl7pPr marL="2743200" indent="0">
-              <a:buNone/>
-              <a:defRPr sz="900"/>
+            <a:lvl7pPr marL="2057400" indent="0">
+              <a:buNone/>
+              <a:defRPr sz="675"/>
             </a:lvl7pPr>
-            <a:lvl8pPr marL="3200400" indent="0">
-              <a:buNone/>
-              <a:defRPr sz="900"/>
+            <a:lvl8pPr marL="2400300" indent="0">
+              <a:buNone/>
+              <a:defRPr sz="675"/>
             </a:lvl8pPr>
-            <a:lvl9pPr marL="3657600" indent="0">
-              <a:buNone/>
-              <a:defRPr sz="900"/>
+            <a:lvl9pPr marL="2743200" indent="0">
+              <a:buNone/>
+              <a:defRPr sz="675"/>
             </a:lvl9pPr>
           </a:lstStyle>
           <a:p>
             <a:pPr lvl="0"/>
             <a:r>
-              <a:rPr lang="en-US" smtClean="0"/>
+              <a:rPr lang="en-US"/>
               <a:t>Click to edit Master text styles</a:t>
             </a:r>
           </a:p>
@@ -2287,7 +2265,7 @@
           <a:p>
             <a:fld id="{241EB5C9-1307-BA42-ABA2-0BC069CD8E7F}" type="datetimeFigureOut">
               <a:rPr lang="en-US" smtClean="0"/>
-              <a:t>4/5/2019</a:t>
+              <a:t>1/2/22</a:t>
             </a:fld>
             <a:endParaRPr lang="en-US"/>
           </a:p>
@@ -2377,23 +2355,22 @@
         </p:nvSpPr>
         <p:spPr>
           <a:xfrm>
-            <a:off x="1792288" y="4800600"/>
-            <a:ext cx="5486400" cy="566738"/>
+            <a:off x="1792288" y="3600450"/>
+            <a:ext cx="5486400" cy="425054"/>
           </a:xfrm>
         </p:spPr>
         <p:txBody>
           <a:bodyPr anchor="b"/>
           <a:lstStyle>
             <a:lvl1pPr algn="l">
-              <a:defRPr sz="2000" b="1"/>
+              <a:defRPr sz="1500" b="1"/>
             </a:lvl1pPr>
           </a:lstStyle>
           <a:p>
             <a:r>
-              <a:rPr lang="en-US" smtClean="0"/>
+              <a:rPr lang="en-US"/>
               <a:t>Click to edit Master title style</a:t>
             </a:r>
-            <a:endParaRPr lang="en-US"/>
           </a:p>
         </p:txBody>
       </p:sp>
@@ -2409,8 +2386,8 @@
         </p:nvSpPr>
         <p:spPr>
           <a:xfrm>
-            <a:off x="1792288" y="612775"/>
-            <a:ext cx="5486400" cy="4114800"/>
+            <a:off x="1792288" y="459581"/>
+            <a:ext cx="5486400" cy="3086100"/>
           </a:xfrm>
         </p:spPr>
         <p:txBody>
@@ -2418,39 +2395,39 @@
           <a:lstStyle>
             <a:lvl1pPr marL="0" indent="0">
               <a:buNone/>
-              <a:defRPr sz="3200"/>
+              <a:defRPr sz="2400"/>
             </a:lvl1pPr>
-            <a:lvl2pPr marL="457200" indent="0">
-              <a:buNone/>
-              <a:defRPr sz="2800"/>
+            <a:lvl2pPr marL="342900" indent="0">
+              <a:buNone/>
+              <a:defRPr sz="2100"/>
             </a:lvl2pPr>
-            <a:lvl3pPr marL="914400" indent="0">
-              <a:buNone/>
-              <a:defRPr sz="2400"/>
+            <a:lvl3pPr marL="685800" indent="0">
+              <a:buNone/>
+              <a:defRPr sz="1800"/>
             </a:lvl3pPr>
-            <a:lvl4pPr marL="1371600" indent="0">
-              <a:buNone/>
-              <a:defRPr sz="2000"/>
+            <a:lvl4pPr marL="1028700" indent="0">
+              <a:buNone/>
+              <a:defRPr sz="1500"/>
             </a:lvl4pPr>
-            <a:lvl5pPr marL="1828800" indent="0">
-              <a:buNone/>
-              <a:defRPr sz="2000"/>
+            <a:lvl5pPr marL="1371600" indent="0">
+              <a:buNone/>
+              <a:defRPr sz="1500"/>
             </a:lvl5pPr>
-            <a:lvl6pPr marL="2286000" indent="0">
-              <a:buNone/>
-              <a:defRPr sz="2000"/>
+            <a:lvl6pPr marL="1714500" indent="0">
+              <a:buNone/>
+              <a:defRPr sz="1500"/>
             </a:lvl6pPr>
-            <a:lvl7pPr marL="2743200" indent="0">
-              <a:buNone/>
-              <a:defRPr sz="2000"/>
+            <a:lvl7pPr marL="2057400" indent="0">
+              <a:buNone/>
+              <a:defRPr sz="1500"/>
             </a:lvl7pPr>
-            <a:lvl8pPr marL="3200400" indent="0">
-              <a:buNone/>
-              <a:defRPr sz="2000"/>
+            <a:lvl8pPr marL="2400300" indent="0">
+              <a:buNone/>
+              <a:defRPr sz="1500"/>
             </a:lvl8pPr>
-            <a:lvl9pPr marL="3657600" indent="0">
-              <a:buNone/>
-              <a:defRPr sz="2000"/>
+            <a:lvl9pPr marL="2743200" indent="0">
+              <a:buNone/>
+              <a:defRPr sz="1500"/>
             </a:lvl9pPr>
           </a:lstStyle>
           <a:p>
@@ -2470,8 +2447,8 @@
         </p:nvSpPr>
         <p:spPr>
           <a:xfrm>
-            <a:off x="1792288" y="5367338"/>
-            <a:ext cx="5486400" cy="804862"/>
+            <a:off x="1792288" y="4025503"/>
+            <a:ext cx="5486400" cy="603647"/>
           </a:xfrm>
         </p:spPr>
         <p:txBody>
@@ -2479,45 +2456,45 @@
           <a:lstStyle>
             <a:lvl1pPr marL="0" indent="0">
               <a:buNone/>
-              <a:defRPr sz="1400"/>
+              <a:defRPr sz="1050"/>
             </a:lvl1pPr>
-            <a:lvl2pPr marL="457200" indent="0">
-              <a:buNone/>
-              <a:defRPr sz="1200"/>
+            <a:lvl2pPr marL="342900" indent="0">
+              <a:buNone/>
+              <a:defRPr sz="900"/>
             </a:lvl2pPr>
-            <a:lvl3pPr marL="914400" indent="0">
-              <a:buNone/>
-              <a:defRPr sz="1000"/>
+            <a:lvl3pPr marL="685800" indent="0">
+              <a:buNone/>
+              <a:defRPr sz="750"/>
             </a:lvl3pPr>
-            <a:lvl4pPr marL="1371600" indent="0">
-              <a:buNone/>
-              <a:defRPr sz="900"/>
+            <a:lvl4pPr marL="1028700" indent="0">
+              <a:buNone/>
+              <a:defRPr sz="675"/>
             </a:lvl4pPr>
-            <a:lvl5pPr marL="1828800" indent="0">
-              <a:buNone/>
-              <a:defRPr sz="900"/>
+            <a:lvl5pPr marL="1371600" indent="0">
+              <a:buNone/>
+              <a:defRPr sz="675"/>
             </a:lvl5pPr>
-            <a:lvl6pPr marL="2286000" indent="0">
-              <a:buNone/>
-              <a:defRPr sz="900"/>
+            <a:lvl6pPr marL="1714500" indent="0">
+              <a:buNone/>
+              <a:defRPr sz="675"/>
             </a:lvl6pPr>
-            <a:lvl7pPr marL="2743200" indent="0">
-              <a:buNone/>
-              <a:defRPr sz="900"/>
+            <a:lvl7pPr marL="2057400" indent="0">
+              <a:buNone/>
+              <a:defRPr sz="675"/>
             </a:lvl7pPr>
-            <a:lvl8pPr marL="3200400" indent="0">
-              <a:buNone/>
-              <a:defRPr sz="900"/>
+            <a:lvl8pPr marL="2400300" indent="0">
+              <a:buNone/>
+              <a:defRPr sz="675"/>
             </a:lvl8pPr>
-            <a:lvl9pPr marL="3657600" indent="0">
-              <a:buNone/>
-              <a:defRPr sz="900"/>
+            <a:lvl9pPr marL="2743200" indent="0">
+              <a:buNone/>
+              <a:defRPr sz="675"/>
             </a:lvl9pPr>
           </a:lstStyle>
           <a:p>
             <a:pPr lvl="0"/>
             <a:r>
-              <a:rPr lang="en-US" smtClean="0"/>
+              <a:rPr lang="en-US"/>
               <a:t>Click to edit Master text styles</a:t>
             </a:r>
           </a:p>
@@ -2540,7 +2517,7 @@
           <a:p>
             <a:fld id="{241EB5C9-1307-BA42-ABA2-0BC069CD8E7F}" type="datetimeFigureOut">
               <a:rPr lang="en-US" smtClean="0"/>
-              <a:t>4/5/2019</a:t>
+              <a:t>1/2/22</a:t>
             </a:fld>
             <a:endParaRPr lang="en-US"/>
           </a:p>
@@ -2635,8 +2612,8 @@
         </p:nvSpPr>
         <p:spPr>
           <a:xfrm>
-            <a:off x="457200" y="274638"/>
-            <a:ext cx="8229600" cy="1143000"/>
+            <a:off x="457200" y="205979"/>
+            <a:ext cx="8229600" cy="857250"/>
           </a:xfrm>
           <a:prstGeom prst="rect">
             <a:avLst/>
@@ -2649,10 +2626,9 @@
           <a:lstStyle/>
           <a:p>
             <a:r>
-              <a:rPr lang="en-US" smtClean="0"/>
+              <a:rPr lang="en-US"/>
               <a:t>Click to edit Master title style</a:t>
             </a:r>
-            <a:endParaRPr lang="en-US"/>
           </a:p>
         </p:txBody>
       </p:sp>
@@ -2668,8 +2644,8 @@
         </p:nvSpPr>
         <p:spPr>
           <a:xfrm>
-            <a:off x="457200" y="1600200"/>
-            <a:ext cx="8229600" cy="4525963"/>
+            <a:off x="457200" y="1200151"/>
+            <a:ext cx="8229600" cy="3394472"/>
           </a:xfrm>
           <a:prstGeom prst="rect">
             <a:avLst/>
@@ -2683,38 +2659,37 @@
           <a:p>
             <a:pPr lvl="0"/>
             <a:r>
-              <a:rPr lang="en-US" smtClean="0"/>
+              <a:rPr lang="en-US"/>
               <a:t>Click to edit Master text styles</a:t>
             </a:r>
           </a:p>
           <a:p>
             <a:pPr lvl="1"/>
             <a:r>
-              <a:rPr lang="en-US" smtClean="0"/>
+              <a:rPr lang="en-US"/>
               <a:t>Second level</a:t>
             </a:r>
           </a:p>
           <a:p>
             <a:pPr lvl="2"/>
             <a:r>
-              <a:rPr lang="en-US" smtClean="0"/>
+              <a:rPr lang="en-US"/>
               <a:t>Third level</a:t>
             </a:r>
           </a:p>
           <a:p>
             <a:pPr lvl="3"/>
             <a:r>
-              <a:rPr lang="en-US" smtClean="0"/>
+              <a:rPr lang="en-US"/>
               <a:t>Fourth level</a:t>
             </a:r>
           </a:p>
           <a:p>
             <a:pPr lvl="4"/>
             <a:r>
-              <a:rPr lang="en-US" smtClean="0"/>
+              <a:rPr lang="en-US"/>
               <a:t>Fifth level</a:t>
             </a:r>
-            <a:endParaRPr lang="en-US"/>
           </a:p>
         </p:txBody>
       </p:sp>
@@ -2730,8 +2705,8 @@
         </p:nvSpPr>
         <p:spPr>
           <a:xfrm>
-            <a:off x="457200" y="6356350"/>
-            <a:ext cx="2133600" cy="365125"/>
+            <a:off x="457200" y="4767263"/>
+            <a:ext cx="2133600" cy="273844"/>
           </a:xfrm>
           <a:prstGeom prst="rect">
             <a:avLst/>
@@ -2741,7 +2716,7 @@
           <a:bodyPr anchor="ctr" bIns="45720" lIns="91440" rIns="91440" rtlCol="0" tIns="45720" vert="horz"/>
           <a:lstStyle>
             <a:lvl1pPr algn="l">
-              <a:defRPr sz="1200">
+              <a:defRPr sz="900">
                 <a:solidFill>
                   <a:schemeClr val="tx1">
                     <a:tint val="75000"/>
@@ -2753,7 +2728,7 @@
           <a:p>
             <a:fld id="{241EB5C9-1307-BA42-ABA2-0BC069CD8E7F}" type="datetimeFigureOut">
               <a:rPr lang="en-US" smtClean="0"/>
-              <a:t>4/5/2019</a:t>
+              <a:t>1/2/22</a:t>
             </a:fld>
             <a:endParaRPr lang="en-US"/>
           </a:p>
@@ -2771,8 +2746,8 @@
         </p:nvSpPr>
         <p:spPr>
           <a:xfrm>
-            <a:off x="3124200" y="6356350"/>
-            <a:ext cx="2895600" cy="365125"/>
+            <a:off x="3124200" y="4767263"/>
+            <a:ext cx="2895600" cy="273844"/>
           </a:xfrm>
           <a:prstGeom prst="rect">
             <a:avLst/>
@@ -2782,7 +2757,7 @@
           <a:bodyPr anchor="ctr" bIns="45720" lIns="91440" rIns="91440" rtlCol="0" tIns="45720" vert="horz"/>
           <a:lstStyle>
             <a:lvl1pPr algn="ctr">
-              <a:defRPr sz="1200">
+              <a:defRPr sz="900">
                 <a:solidFill>
                   <a:schemeClr val="tx1">
                     <a:tint val="75000"/>
@@ -2808,8 +2783,8 @@
         </p:nvSpPr>
         <p:spPr>
           <a:xfrm>
-            <a:off x="6553200" y="6356350"/>
-            <a:ext cx="2133600" cy="365125"/>
+            <a:off x="6553200" y="4767263"/>
+            <a:ext cx="2133600" cy="273844"/>
           </a:xfrm>
           <a:prstGeom prst="rect">
             <a:avLst/>
@@ -2819,7 +2794,7 @@
           <a:bodyPr anchor="ctr" bIns="45720" lIns="91440" rIns="91440" rtlCol="0" tIns="45720" vert="horz"/>
           <a:lstStyle>
             <a:lvl1pPr algn="r">
-              <a:defRPr sz="1200">
+              <a:defRPr sz="900">
                 <a:solidFill>
                   <a:schemeClr val="tx1">
                     <a:tint val="75000"/>
@@ -2860,12 +2835,12 @@
   </p:sldLayoutIdLst>
   <p:txStyles>
     <p:titleStyle>
-      <a:lvl1pPr algn="ctr" defTabSz="457200" eaLnBrk="1" hangingPunct="1" latinLnBrk="0" rtl="0">
+      <a:lvl1pPr algn="ctr" defTabSz="342900" eaLnBrk="1" hangingPunct="1" latinLnBrk="0" rtl="0">
         <a:spcBef>
           <a:spcPct val="0"/>
         </a:spcBef>
         <a:buNone/>
-        <a:defRPr kern="1200" sz="4400">
+        <a:defRPr kern="1200" sz="3300">
           <a:solidFill>
             <a:schemeClr val="tx1"/>
           </a:solidFill>
@@ -2876,37 +2851,7 @@
       </a:lvl1pPr>
     </p:titleStyle>
     <p:bodyStyle>
-      <a:lvl1pPr algn="l" defTabSz="457200" eaLnBrk="1" hangingPunct="1" indent="-457200" latinLnBrk="0" marL="457200" rtl="0">
-        <a:spcBef>
-          <a:spcPct val="20000"/>
-        </a:spcBef>
-        <a:buFont typeface="Arial"/>
-        <a:buChar char="•"/>
-        <a:defRPr kern="1200" sz="3200">
-          <a:solidFill>
-            <a:schemeClr val="tx1"/>
-          </a:solidFill>
-          <a:latin typeface="+mn-lt"/>
-          <a:ea typeface="+mn-ea"/>
-          <a:cs typeface="+mn-cs"/>
-        </a:defRPr>
-      </a:lvl1pPr>
-      <a:lvl2pPr algn="l" defTabSz="457200" eaLnBrk="1" hangingPunct="1" indent="-457200" latinLnBrk="0" marL="914400" rtl="0">
-        <a:spcBef>
-          <a:spcPct val="20000"/>
-        </a:spcBef>
-        <a:buFont typeface="Arial"/>
-        <a:buChar char="–"/>
-        <a:defRPr kern="1200" sz="2800">
-          <a:solidFill>
-            <a:schemeClr val="tx1"/>
-          </a:solidFill>
-          <a:latin typeface="+mn-lt"/>
-          <a:ea typeface="+mn-ea"/>
-          <a:cs typeface="+mn-cs"/>
-        </a:defRPr>
-      </a:lvl2pPr>
-      <a:lvl3pPr algn="l" defTabSz="457200" eaLnBrk="1" hangingPunct="1" indent="-457200" latinLnBrk="0" marL="1371600" rtl="0">
+      <a:lvl1pPr algn="l" defTabSz="342900" eaLnBrk="1" hangingPunct="1" indent="-342900" latinLnBrk="0" marL="342900" rtl="0">
         <a:spcBef>
           <a:spcPct val="20000"/>
         </a:spcBef>
@@ -2920,14 +2865,44 @@
           <a:ea typeface="+mn-ea"/>
           <a:cs typeface="+mn-cs"/>
         </a:defRPr>
-      </a:lvl3pPr>
-      <a:lvl4pPr algn="l" defTabSz="457200" eaLnBrk="1" hangingPunct="1" indent="-457200" latinLnBrk="0" marL="1828800" rtl="0">
+      </a:lvl1pPr>
+      <a:lvl2pPr algn="l" defTabSz="342900" eaLnBrk="1" hangingPunct="1" indent="-342900" latinLnBrk="0" marL="685800" rtl="0">
         <a:spcBef>
           <a:spcPct val="20000"/>
         </a:spcBef>
         <a:buFont typeface="Arial"/>
         <a:buChar char="–"/>
-        <a:defRPr kern="1200" sz="2000">
+        <a:defRPr kern="1200" sz="2100">
+          <a:solidFill>
+            <a:schemeClr val="tx1"/>
+          </a:solidFill>
+          <a:latin typeface="+mn-lt"/>
+          <a:ea typeface="+mn-ea"/>
+          <a:cs typeface="+mn-cs"/>
+        </a:defRPr>
+      </a:lvl2pPr>
+      <a:lvl3pPr algn="l" defTabSz="342900" eaLnBrk="1" hangingPunct="1" indent="-342900" latinLnBrk="0" marL="1028700" rtl="0">
+        <a:spcBef>
+          <a:spcPct val="20000"/>
+        </a:spcBef>
+        <a:buFont typeface="Arial"/>
+        <a:buChar char="•"/>
+        <a:defRPr kern="1200" sz="1800">
+          <a:solidFill>
+            <a:schemeClr val="tx1"/>
+          </a:solidFill>
+          <a:latin typeface="+mn-lt"/>
+          <a:ea typeface="+mn-ea"/>
+          <a:cs typeface="+mn-cs"/>
+        </a:defRPr>
+      </a:lvl3pPr>
+      <a:lvl4pPr algn="l" defTabSz="342900" eaLnBrk="1" hangingPunct="1" indent="-342900" latinLnBrk="0" marL="1371600" rtl="0">
+        <a:spcBef>
+          <a:spcPct val="20000"/>
+        </a:spcBef>
+        <a:buFont typeface="Arial"/>
+        <a:buChar char="–"/>
+        <a:defRPr kern="1200" sz="1500">
           <a:solidFill>
             <a:schemeClr val="tx1"/>
           </a:solidFill>
@@ -2936,13 +2911,13 @@
           <a:cs typeface="+mn-cs"/>
         </a:defRPr>
       </a:lvl4pPr>
-      <a:lvl5pPr algn="l" defTabSz="457200" eaLnBrk="1" hangingPunct="1" indent="-457200" latinLnBrk="0" marL="2286000" rtl="0">
+      <a:lvl5pPr algn="l" defTabSz="342900" eaLnBrk="1" hangingPunct="1" indent="-342900" latinLnBrk="0" marL="1714500" rtl="0">
         <a:spcBef>
           <a:spcPct val="20000"/>
         </a:spcBef>
         <a:buFont typeface="Arial"/>
         <a:buChar char="»"/>
-        <a:defRPr kern="1200" sz="2000">
+        <a:defRPr kern="1200" sz="1500">
           <a:solidFill>
             <a:schemeClr val="tx1"/>
           </a:solidFill>
@@ -2951,13 +2926,13 @@
           <a:cs typeface="+mn-cs"/>
         </a:defRPr>
       </a:lvl5pPr>
-      <a:lvl6pPr algn="l" defTabSz="457200" eaLnBrk="1" hangingPunct="1" indent="-457200" latinLnBrk="0" marL="2743200" rtl="0">
+      <a:lvl6pPr algn="l" defTabSz="342900" eaLnBrk="1" hangingPunct="1" indent="-342900" latinLnBrk="0" marL="2057400" rtl="0">
         <a:spcBef>
           <a:spcPct val="20000"/>
         </a:spcBef>
         <a:buFont typeface="Arial"/>
         <a:buChar char="•"/>
-        <a:defRPr kern="1200" sz="2000">
+        <a:defRPr kern="1200" sz="1500">
           <a:solidFill>
             <a:schemeClr val="tx1"/>
           </a:solidFill>
@@ -2966,13 +2941,13 @@
           <a:cs typeface="+mn-cs"/>
         </a:defRPr>
       </a:lvl6pPr>
-      <a:lvl7pPr algn="l" defTabSz="457200" eaLnBrk="1" hangingPunct="1" indent="-457200" latinLnBrk="0" marL="3200400" rtl="0">
+      <a:lvl7pPr algn="l" defTabSz="342900" eaLnBrk="1" hangingPunct="1" indent="-342900" latinLnBrk="0" marL="2400300" rtl="0">
         <a:spcBef>
           <a:spcPct val="20000"/>
         </a:spcBef>
         <a:buFont typeface="Arial"/>
         <a:buChar char="•"/>
-        <a:defRPr kern="1200" sz="2000">
+        <a:defRPr kern="1200" sz="1500">
           <a:solidFill>
             <a:schemeClr val="tx1"/>
           </a:solidFill>
@@ -2981,13 +2956,13 @@
           <a:cs typeface="+mn-cs"/>
         </a:defRPr>
       </a:lvl7pPr>
-      <a:lvl8pPr algn="l" defTabSz="457200" eaLnBrk="1" hangingPunct="1" indent="-457200" latinLnBrk="0" marL="3657600" rtl="0">
+      <a:lvl8pPr algn="l" defTabSz="342900" eaLnBrk="1" hangingPunct="1" indent="-342900" latinLnBrk="0" marL="2743200" rtl="0">
         <a:spcBef>
           <a:spcPct val="20000"/>
         </a:spcBef>
         <a:buFont typeface="Arial"/>
         <a:buChar char="•"/>
-        <a:defRPr kern="1200" sz="2000">
+        <a:defRPr kern="1200" sz="1500">
           <a:solidFill>
             <a:schemeClr val="tx1"/>
           </a:solidFill>
@@ -2996,13 +2971,13 @@
           <a:cs typeface="+mn-cs"/>
         </a:defRPr>
       </a:lvl8pPr>
-      <a:lvl9pPr algn="l" defTabSz="457200" eaLnBrk="1" hangingPunct="1" indent="-457200" latinLnBrk="0" marL="4114800" rtl="0">
+      <a:lvl9pPr algn="l" defTabSz="342900" eaLnBrk="1" hangingPunct="1" indent="-342900" latinLnBrk="0" marL="3086100" rtl="0">
         <a:spcBef>
           <a:spcPct val="20000"/>
         </a:spcBef>
         <a:buFont typeface="Arial"/>
         <a:buChar char="•"/>
-        <a:defRPr kern="1200" sz="2000">
+        <a:defRPr kern="1200" sz="1500">
           <a:solidFill>
             <a:schemeClr val="tx1"/>
           </a:solidFill>
@@ -3016,8 +2991,8 @@
       <a:defPPr>
         <a:defRPr lang="en-US"/>
       </a:defPPr>
-      <a:lvl1pPr algn="l" defTabSz="457200" eaLnBrk="1" hangingPunct="1" latinLnBrk="0" marL="0" rtl="0">
-        <a:defRPr kern="1200" sz="1800">
+      <a:lvl1pPr algn="l" defTabSz="342900" eaLnBrk="1" hangingPunct="1" latinLnBrk="0" marL="0" rtl="0">
+        <a:defRPr kern="1200" sz="1350">
           <a:solidFill>
             <a:schemeClr val="tx1"/>
           </a:solidFill>
@@ -3026,8 +3001,8 @@
           <a:cs typeface="+mn-cs"/>
         </a:defRPr>
       </a:lvl1pPr>
-      <a:lvl2pPr algn="l" defTabSz="457200" eaLnBrk="1" hangingPunct="1" latinLnBrk="0" marL="457200" rtl="0">
-        <a:defRPr kern="1200" sz="1800">
+      <a:lvl2pPr algn="l" defTabSz="342900" eaLnBrk="1" hangingPunct="1" latinLnBrk="0" marL="342900" rtl="0">
+        <a:defRPr kern="1200" sz="1350">
           <a:solidFill>
             <a:schemeClr val="tx1"/>
           </a:solidFill>
@@ -3036,8 +3011,8 @@
           <a:cs typeface="+mn-cs"/>
         </a:defRPr>
       </a:lvl2pPr>
-      <a:lvl3pPr algn="l" defTabSz="457200" eaLnBrk="1" hangingPunct="1" latinLnBrk="0" marL="914400" rtl="0">
-        <a:defRPr kern="1200" sz="1800">
+      <a:lvl3pPr algn="l" defTabSz="342900" eaLnBrk="1" hangingPunct="1" latinLnBrk="0" marL="685800" rtl="0">
+        <a:defRPr kern="1200" sz="1350">
           <a:solidFill>
             <a:schemeClr val="tx1"/>
           </a:solidFill>
@@ -3046,8 +3021,8 @@
           <a:cs typeface="+mn-cs"/>
         </a:defRPr>
       </a:lvl3pPr>
-      <a:lvl4pPr algn="l" defTabSz="457200" eaLnBrk="1" hangingPunct="1" latinLnBrk="0" marL="1371600" rtl="0">
-        <a:defRPr kern="1200" sz="1800">
+      <a:lvl4pPr algn="l" defTabSz="342900" eaLnBrk="1" hangingPunct="1" latinLnBrk="0" marL="1028700" rtl="0">
+        <a:defRPr kern="1200" sz="1350">
           <a:solidFill>
             <a:schemeClr val="tx1"/>
           </a:solidFill>
@@ -3056,8 +3031,8 @@
           <a:cs typeface="+mn-cs"/>
         </a:defRPr>
       </a:lvl4pPr>
-      <a:lvl5pPr algn="l" defTabSz="457200" eaLnBrk="1" hangingPunct="1" latinLnBrk="0" marL="1828800" rtl="0">
-        <a:defRPr kern="1200" sz="1800">
+      <a:lvl5pPr algn="l" defTabSz="342900" eaLnBrk="1" hangingPunct="1" latinLnBrk="0" marL="1371600" rtl="0">
+        <a:defRPr kern="1200" sz="1350">
           <a:solidFill>
             <a:schemeClr val="tx1"/>
           </a:solidFill>
@@ -3066,8 +3041,8 @@
           <a:cs typeface="+mn-cs"/>
         </a:defRPr>
       </a:lvl5pPr>
-      <a:lvl6pPr algn="l" defTabSz="457200" eaLnBrk="1" hangingPunct="1" latinLnBrk="0" marL="2286000" rtl="0">
-        <a:defRPr kern="1200" sz="1800">
+      <a:lvl6pPr algn="l" defTabSz="342900" eaLnBrk="1" hangingPunct="1" latinLnBrk="0" marL="1714500" rtl="0">
+        <a:defRPr kern="1200" sz="1350">
           <a:solidFill>
             <a:schemeClr val="tx1"/>
           </a:solidFill>
@@ -3076,8 +3051,8 @@
           <a:cs typeface="+mn-cs"/>
         </a:defRPr>
       </a:lvl6pPr>
-      <a:lvl7pPr algn="l" defTabSz="457200" eaLnBrk="1" hangingPunct="1" latinLnBrk="0" marL="2743200" rtl="0">
-        <a:defRPr kern="1200" sz="1800">
+      <a:lvl7pPr algn="l" defTabSz="342900" eaLnBrk="1" hangingPunct="1" latinLnBrk="0" marL="2057400" rtl="0">
+        <a:defRPr kern="1200" sz="1350">
           <a:solidFill>
             <a:schemeClr val="tx1"/>
           </a:solidFill>
@@ -3086,8 +3061,8 @@
           <a:cs typeface="+mn-cs"/>
         </a:defRPr>
       </a:lvl7pPr>
-      <a:lvl8pPr algn="l" defTabSz="457200" eaLnBrk="1" hangingPunct="1" latinLnBrk="0" marL="3200400" rtl="0">
-        <a:defRPr kern="1200" sz="1800">
+      <a:lvl8pPr algn="l" defTabSz="342900" eaLnBrk="1" hangingPunct="1" latinLnBrk="0" marL="2400300" rtl="0">
+        <a:defRPr kern="1200" sz="1350">
           <a:solidFill>
             <a:schemeClr val="tx1"/>
           </a:solidFill>
@@ -3096,8 +3071,8 @@
           <a:cs typeface="+mn-cs"/>
         </a:defRPr>
       </a:lvl8pPr>
-      <a:lvl9pPr algn="l" defTabSz="457200" eaLnBrk="1" hangingPunct="1" latinLnBrk="0" marL="3657600" rtl="0">
-        <a:defRPr kern="1200" sz="1800">
+      <a:lvl9pPr algn="l" defTabSz="342900" eaLnBrk="1" hangingPunct="1" latinLnBrk="0" marL="2743200" rtl="0">
+        <a:defRPr kern="1200" sz="1350">
           <a:solidFill>
             <a:schemeClr val="tx1"/>
           </a:solidFill>
@@ -3140,8 +3115,8 @@
         </p:nvSpPr>
         <p:spPr>
           <a:xfrm>
-            <a:off x="685800" y="2130425"/>
-            <a:ext cx="7772400" cy="1470025"/>
+            <a:off x="685800" y="1597819"/>
+            <a:ext cx="7772400" cy="1102519"/>
           </a:xfrm>
         </p:spPr>
         <p:txBody>
@@ -3170,8 +3145,8 @@
         </p:nvSpPr>
         <p:spPr>
           <a:xfrm>
-            <a:off x="1371600" y="3886200"/>
-            <a:ext cx="6400800" cy="1752600"/>
+            <a:off x="1371600" y="2914650"/>
+            <a:ext cx="6400800" cy="1314450"/>
           </a:xfrm>
         </p:spPr>
         <p:txBody>
@@ -3256,33 +3231,21 @@
           <a:bodyPr/>
           <a:lstStyle/>
           <a:p>
-            <a:pPr lvl="0" indent="0" marL="0">
-              <a:spcBef>
-                <a:spcPts val="3000"/>
-              </a:spcBef>
-              <a:buNone/>
-            </a:pPr>
+            <a:pPr lvl="0"/>
             <a:r>
               <a:rPr b="1"/>
-              <a:t>Sample Images-5</a:t>
-            </a:r>
-          </a:p>
-          <a:p>
-            <a:pPr lvl="0"/>
-            <a:r>
-              <a:rPr b="1"/>
-              <a:t>What is Lorem Ipsum?</a:t>
+              <a:t>Troubleshooting Faulty Computer Hardware:</a:t>
             </a:r>
             <a:r>
               <a:rPr/>
-              <a:t> Lorem Ipsum is simply dummy text of the printing and typesetting industry. Lorem Ipsum has been the industry’s standard dummy text ever since the 1500s,</a:t>
+              <a:t> Computer hardware components individually heat up and cool down as they’re used and then not used, meaning that eventually, every single one will fail. Some may even fail at the same time. Fortunately, at least with desktop computers and some laptop and tablet computers, you can replace the non-working piece of hardware without having to replace or rebuild the computer from scratch.</a:t>
             </a:r>
           </a:p>
         </p:txBody>
       </p:sp>
       <p:pic>
         <p:nvPicPr>
-          <p:cNvPr descr="assets/sample-1.png" id="0" name="Picture 1"/>
+          <p:cNvPr descr="fig:  assets/indir.jfif" id="0" name="Picture 1"/>
           <p:cNvPicPr>
             <a:picLocks noGrp="1" noChangeAspect="1"/>
           </p:cNvPicPr>
@@ -3296,8 +3259,8 @@
         </p:blipFill>
         <p:spPr bwMode="auto">
           <a:xfrm>
-            <a:off x="4749800" y="266700"/>
-            <a:ext cx="2743200" cy="5334000"/>
+            <a:off x="3568700" y="762000"/>
+            <a:ext cx="5105400" cy="2755900"/>
           </a:xfrm>
           <a:prstGeom prst="rect">
             <a:avLst/>
@@ -3318,7 +3281,7 @@
         </p:nvSpPr>
         <p:spPr>
           <a:xfrm>
-            <a:off x="3568700" y="5600700"/>
+            <a:off x="3568700" y="4076700"/>
             <a:ext cx="5105400" cy="508000"/>
           </a:xfrm>
           <a:prstGeom prst="rect">
@@ -3335,7 +3298,7 @@
             </a:pPr>
             <a:r>
               <a:rPr/>
-              <a:t>bg left:50% h:800px</a:t>
+              <a:t>bg left:50% h:400px</a:t>
             </a:r>
           </a:p>
         </p:txBody>
@@ -3364,25 +3327,87 @@
       </p:grpSpPr>
       <p:sp>
         <p:nvSpPr>
-          <p:cNvPr id="3" name="Content Placeholder 2"/>
-          <p:cNvSpPr>
-            <a:spLocks noGrp="1"/>
-          </p:cNvSpPr>
-          <p:nvPr>
-            <p:ph idx="1"/>
-          </p:nvPr>
-        </p:nvSpPr>
-        <p:spPr/>
-        <p:txBody>
-          <a:bodyPr/>
-          <a:lstStyle/>
-          <a:p>
-            <a:pPr lvl="0" indent="0" marL="0">
+          <p:cNvPr id="4" name="Text Placeholder 3"/>
+          <p:cNvSpPr>
+            <a:spLocks noGrp="1"/>
+          </p:cNvSpPr>
+          <p:nvPr>
+            <p:ph idx="2" sz="half" type="body"/>
+          </p:nvPr>
+        </p:nvSpPr>
+        <p:spPr/>
+        <p:txBody>
+          <a:bodyPr/>
+          <a:lstStyle/>
+          <a:p>
+            <a:pPr lvl="0"/>
+            <a:r>
+              <a:rPr b="1"/>
+              <a:t>Hardware vs. Software</a:t>
+            </a:r>
+            <a:r>
+              <a:rPr/>
+              <a:t> A computer system isn’t complete unless there’s also software, which is different than hardware. The software is data that’s stored electronically, like an operating system or a video editing tool, which runs on the hardware. Hardware gets its name due to the fact that it’s strict when it comes to modifications, whereas software is more flexible (i.e., you can easily upgrade or change software). Firmware is closely related to hardware and software, too…</a:t>
+            </a:r>
+          </a:p>
+        </p:txBody>
+      </p:sp>
+      <p:pic>
+        <p:nvPicPr>
+          <p:cNvPr descr="fig:  assets/indir%20(1).jfif" id="0" name="Picture 1"/>
+          <p:cNvPicPr>
+            <a:picLocks noGrp="1" noChangeAspect="1"/>
+          </p:cNvPicPr>
+          <p:nvPr/>
+        </p:nvPicPr>
+        <p:blipFill>
+          <a:blip r:embed="rId2"/>
+          <a:stretch>
+            <a:fillRect/>
+          </a:stretch>
+        </p:blipFill>
+        <p:spPr bwMode="auto">
+          <a:xfrm>
+            <a:off x="4470400" y="203200"/>
+            <a:ext cx="3302000" cy="3873500"/>
+          </a:xfrm>
+          <a:prstGeom prst="rect">
+            <a:avLst/>
+          </a:prstGeom>
+          <a:noFill/>
+          <a:ln w="9525">
+            <a:noFill/>
+            <a:headEnd/>
+            <a:tailEnd/>
+          </a:ln>
+        </p:spPr>
+      </p:pic>
+      <p:sp>
+        <p:nvSpPr>
+          <p:cNvPr id="1" name="TextBox 3"/>
+          <p:cNvSpPr txBox="1"/>
+          <p:nvPr/>
+        </p:nvSpPr>
+        <p:spPr>
+          <a:xfrm>
+            <a:off x="3568700" y="4076700"/>
+            <a:ext cx="5105400" cy="508000"/>
+          </a:xfrm>
+          <a:prstGeom prst="rect">
+            <a:avLst/>
+          </a:prstGeom>
+          <a:noFill/>
+        </p:spPr>
+        <p:txBody>
+          <a:bodyPr/>
+          <a:lstStyle/>
+          <a:p>
+            <a:pPr lvl="0" indent="0" marL="0" algn="ctr">
               <a:buNone/>
             </a:pPr>
             <a:r>
               <a:rPr/>
-              <a:t> bg left:50% h:800px</a:t>
+              <a:t>bg left:50% h:600px</a:t>
             </a:r>
           </a:p>
         </p:txBody>
@@ -3411,12 +3436,12 @@
       </p:grpSpPr>
       <p:sp>
         <p:nvSpPr>
-          <p:cNvPr id="4" name="Text Placeholder 3"/>
-          <p:cNvSpPr>
-            <a:spLocks noGrp="1"/>
-          </p:cNvSpPr>
-          <p:nvPr>
-            <p:ph idx="2" sz="half" type="body"/>
+          <p:cNvPr id="2" name="Title 1"/>
+          <p:cNvSpPr>
+            <a:spLocks noGrp="1"/>
+          </p:cNvSpPr>
+          <p:nvPr>
+            <p:ph type="title"/>
           </p:nvPr>
         </p:nvSpPr>
         <p:spPr/>
@@ -3425,85 +3450,11 @@
           <a:lstStyle/>
           <a:p>
             <a:pPr lvl="0" indent="0" marL="0">
-              <a:spcBef>
-                <a:spcPts val="3000"/>
-              </a:spcBef>
               <a:buNone/>
             </a:pPr>
             <a:r>
-              <a:rPr b="1"/>
-              <a:t>Sample Images-6</a:t>
-            </a:r>
-          </a:p>
-          <a:p>
-            <a:pPr lvl="0"/>
-            <a:r>
-              <a:rPr b="1"/>
-              <a:t>What is Lorem Ipsum?</a:t>
-            </a:r>
-            <a:r>
               <a:rPr/>
-              <a:t> Lorem Ipsum is simply dummy text of the printing and typesetting industry. Lorem Ipsum has been the industry’s standard dummy text ever since the 1500s,</a:t>
-            </a:r>
-          </a:p>
-        </p:txBody>
-      </p:sp>
-      <p:pic>
-        <p:nvPicPr>
-          <p:cNvPr descr="assets/sample-1.png" id="0" name="Picture 1"/>
-          <p:cNvPicPr>
-            <a:picLocks noGrp="1" noChangeAspect="1"/>
-          </p:cNvPicPr>
-          <p:nvPr/>
-        </p:nvPicPr>
-        <p:blipFill>
-          <a:blip r:embed="rId2"/>
-          <a:stretch>
-            <a:fillRect/>
-          </a:stretch>
-        </p:blipFill>
-        <p:spPr bwMode="auto">
-          <a:xfrm>
-            <a:off x="4749800" y="266700"/>
-            <a:ext cx="2743200" cy="5334000"/>
-          </a:xfrm>
-          <a:prstGeom prst="rect">
-            <a:avLst/>
-          </a:prstGeom>
-          <a:noFill/>
-          <a:ln w="9525">
-            <a:noFill/>
-            <a:headEnd/>
-            <a:tailEnd/>
-          </a:ln>
-        </p:spPr>
-      </p:pic>
-      <p:sp>
-        <p:nvSpPr>
-          <p:cNvPr id="1" name="TextBox 3"/>
-          <p:cNvSpPr txBox="1"/>
-          <p:nvPr/>
-        </p:nvSpPr>
-        <p:spPr>
-          <a:xfrm>
-            <a:off x="3568700" y="5600700"/>
-            <a:ext cx="5105400" cy="508000"/>
-          </a:xfrm>
-          <a:prstGeom prst="rect">
-            <a:avLst/>
-          </a:prstGeom>
-          <a:noFill/>
-        </p:spPr>
-        <p:txBody>
-          <a:bodyPr/>
-          <a:lstStyle/>
-          <a:p>
-            <a:pPr lvl="0" indent="0" marL="0" algn="ctr">
-              <a:buNone/>
-            </a:pPr>
-            <a:r>
-              <a:rPr/>
-              <a:t>bg left:50% h:300px</a:t>
+              <a:t>### SEE YOU NEXT LESSON :)</a:t>
             </a:r>
           </a:p>
         </p:txBody>
@@ -3532,6 +3483,31 @@
       </p:grpSpPr>
       <p:sp>
         <p:nvSpPr>
+          <p:cNvPr id="2" name="Title 1"/>
+          <p:cNvSpPr>
+            <a:spLocks noGrp="1"/>
+          </p:cNvSpPr>
+          <p:nvPr>
+            <p:ph type="title"/>
+          </p:nvPr>
+        </p:nvSpPr>
+        <p:spPr/>
+        <p:txBody>
+          <a:bodyPr/>
+          <a:lstStyle/>
+          <a:p>
+            <a:pPr lvl="0" indent="0" marL="0">
+              <a:buNone/>
+            </a:pPr>
+            <a:r>
+              <a:rPr/>
+              <a:t>References</a:t>
+            </a:r>
+          </a:p>
+        </p:txBody>
+      </p:sp>
+      <p:sp>
+        <p:nvSpPr>
           <p:cNvPr id="3" name="Content Placeholder 2"/>
           <p:cNvSpPr>
             <a:spLocks noGrp="1"/>
@@ -3545,12 +3521,24 @@
           <a:bodyPr/>
           <a:lstStyle/>
           <a:p>
-            <a:pPr lvl="0" indent="0" marL="0">
-              <a:buNone/>
-            </a:pPr>
+            <a:pPr lvl="0"/>
             <a:r>
               <a:rPr/>
-              <a:t> bg left:50% h:500px</a:t>
+              <a:t>https://www.lifewire.com/computer-hardware-2625895</a:t>
+            </a:r>
+          </a:p>
+          <a:p>
+            <a:pPr lvl="0"/>
+            <a:r>
+              <a:rPr/>
+              <a:t>https://www.youtube.com/watch?v=SSnNY8GfZig</a:t>
+            </a:r>
+          </a:p>
+          <a:p>
+            <a:pPr lvl="0"/>
+            <a:r>
+              <a:rPr/>
+              <a:t>https://mycomputernotes.com/what-is-computer-hardware/</a:t>
             </a:r>
           </a:p>
         </p:txBody>
@@ -3561,2967 +3549,6 @@
 </file>
 
 <file path=ppt/slides/slide14.xml><?xml version="1.0" encoding="utf-8"?>
-<p:sld xmlns:a="http://schemas.openxmlformats.org/drawingml/2006/main" xmlns:r="http://schemas.openxmlformats.org/officeDocument/2006/relationships" xmlns:p="http://schemas.openxmlformats.org/presentationml/2006/main">
-  <p:cSld>
-    <p:spTree>
-      <p:nvGrpSpPr>
-        <p:cNvPr id="1" name=""/>
-        <p:cNvGrpSpPr/>
-        <p:nvPr/>
-      </p:nvGrpSpPr>
-      <p:grpSpPr>
-        <a:xfrm>
-          <a:off x="0" y="0"/>
-          <a:ext cx="0" cy="0"/>
-          <a:chOff x="0" y="0"/>
-          <a:chExt cx="0" cy="0"/>
-        </a:xfrm>
-      </p:grpSpPr>
-      <mc:AlternateContent xmlns:mc="http://schemas.openxmlformats.org/markup-compatibility/2006">
-        <mc:Choice xmlns:a14="http://schemas.microsoft.com/office/drawing/2010/main" Requires="a14">
-          <p:sp>
-            <p:nvSpPr>
-              <p:cNvPr id="3" name="Content Placeholder 2"/>
-              <p:cNvSpPr>
-                <a:spLocks noGrp="1"/>
-              </p:cNvSpPr>
-              <p:nvPr>
-                <p:ph idx="1"/>
-              </p:nvPr>
-            </p:nvSpPr>
-            <p:spPr/>
-            <p:txBody>
-              <a:bodyPr/>
-              <a:lstStyle/>
-              <a:p>
-                <a:pPr lvl="0" indent="0" marL="0">
-                  <a:spcBef>
-                    <a:spcPts val="3000"/>
-                  </a:spcBef>
-                  <a:buNone/>
-                </a:pPr>
-                <a:r>
-                  <a:rPr b="1"/>
-                  <a:t>Latex Sample-1</a:t>
-                </a:r>
-              </a:p>
-              <a:p>
-                <a:pPr lvl="0" indent="0" marL="0">
-                  <a:buNone/>
-                </a:pPr>
-                <a14:m>
-                  <m:oMathPara xmlns:m="http://schemas.openxmlformats.org/officeDocument/2006/math">
-                    <m:oMathParaPr>
-                      <m:jc m:val="center"/>
-                    </m:oMathParaPr>
-                    <m:oMath>
-                      <m:m>
-                        <m:mPr>
-                          <m:baseJc m:val="center"/>
-                          <m:plcHide m:val="1"/>
-                          <m:mcs>
-                            <m:mc>
-                              <m:mcPr>
-                                <m:mcJc m:val="right"/>
-                                <m:count m:val="1"/>
-                              </m:mcPr>
-                            </m:mc>
-                            <m:mc>
-                              <m:mcPr>
-                                <m:mcJc m:val="left"/>
-                                <m:count m:val="1"/>
-                              </m:mcPr>
-                            </m:mc>
-                          </m:mcs>
-                        </m:mPr>
-                        <m:mr>
-                          <m:e>
-                            <m:m>
-                              <m:mPr>
-                                <m:baseJc m:val="center"/>
-                                <m:plcHide m:val="1"/>
-                                <m:mcs>
-                                  <m:mc>
-                                    <m:mcPr>
-                                      <m:mcJc m:val="right"/>
-                                      <m:count m:val="1"/>
-                                    </m:mcPr>
-                                  </m:mc>
-                                </m:mcs>
-                              </m:mPr>
-                              <m:mr>
-                                <m:e>
-                                  <m:r>
-                                    <m:rPr>
-                                      <m:nor/>
-                                      <m:sty m:val="p"/>
-                                    </m:rPr>
-                                    <m:t>compute </m:t>
-                                  </m:r>
-                                  <m:r>
-                                    <m:t>m</m:t>
-                                  </m:r>
-                                  <m:d>
-                                    <m:dPr>
-                                      <m:begChr m:val="["/>
-                                      <m:endChr m:val="]"/>
-                                      <m:sepChr m:val=""/>
-                                      <m:grow/>
-                                    </m:dPr>
-                                    <m:e>
-                                      <m:r>
-                                        <m:t>i</m:t>
-                                      </m:r>
-                                      <m:r>
-                                        <m:rPr>
-                                          <m:sty m:val="p"/>
-                                        </m:rPr>
-                                        <m:t>,</m:t>
-                                      </m:r>
-                                      <m:r>
-                                        <m:t>i</m:t>
-                                      </m:r>
-                                      <m:r>
-                                        <m:rPr>
-                                          <m:sty m:val="p"/>
-                                        </m:rPr>
-                                        <m:t>+</m:t>
-                                      </m:r>
-                                      <m:r>
-                                        <m:t>1</m:t>
-                                      </m:r>
-                                    </m:e>
-                                  </m:d>
-                                </m:e>
-                              </m:mr>
-                              <m:mr>
-                                <m:e>
-                                  <m:limLow>
-                                    <m:e>
-                                      <m:limLow>
-                                        <m:e>
-                                          <m:r>
-                                            <m:rPr>
-                                              <m:sty m:val="p"/>
-                                            </m:rPr>
-                                            <m:t>{</m:t>
-                                          </m:r>
-                                          <m:r>
-                                            <m:t>m</m:t>
-                                          </m:r>
-                                          <m:d>
-                                            <m:dPr>
-                                              <m:begChr m:val="["/>
-                                              <m:endChr m:val="]"/>
-                                              <m:sepChr m:val=""/>
-                                              <m:grow/>
-                                            </m:dPr>
-                                            <m:e>
-                                              <m:r>
-                                                <m:t>1</m:t>
-                                              </m:r>
-                                              <m:r>
-                                                <m:rPr>
-                                                  <m:sty m:val="p"/>
-                                                </m:rPr>
-                                                <m:t>,</m:t>
-                                              </m:r>
-                                              <m:r>
-                                                <m:t>2</m:t>
-                                              </m:r>
-                                            </m:e>
-                                          </m:d>
-                                          <m:r>
-                                            <m:rPr>
-                                              <m:sty m:val="p"/>
-                                            </m:rPr>
-                                            <m:t>,</m:t>
-                                          </m:r>
-                                          <m:r>
-                                            <m:t>m</m:t>
-                                          </m:r>
-                                          <m:d>
-                                            <m:dPr>
-                                              <m:begChr m:val="["/>
-                                              <m:endChr m:val="]"/>
-                                              <m:sepChr m:val=""/>
-                                              <m:grow/>
-                                            </m:dPr>
-                                            <m:e>
-                                              <m:r>
-                                                <m:t>2</m:t>
-                                              </m:r>
-                                              <m:r>
-                                                <m:rPr>
-                                                  <m:sty m:val="p"/>
-                                                </m:rPr>
-                                                <m:t>,</m:t>
-                                              </m:r>
-                                              <m:r>
-                                                <m:t>3</m:t>
-                                              </m:r>
-                                            </m:e>
-                                          </m:d>
-                                          <m:r>
-                                            <m:rPr>
-                                              <m:sty m:val="p"/>
-                                            </m:rPr>
-                                            <m:t>,</m:t>
-                                          </m:r>
-                                          <m:r>
-                                            <m:rPr>
-                                              <m:sty m:val="p"/>
-                                            </m:rPr>
-                                            <m:t>…</m:t>
-                                          </m:r>
-                                          <m:r>
-                                            <m:rPr>
-                                              <m:sty m:val="p"/>
-                                            </m:rPr>
-                                            <m:t>,</m:t>
-                                          </m:r>
-                                          <m:r>
-                                            <m:t>m</m:t>
-                                          </m:r>
-                                          <m:d>
-                                            <m:dPr>
-                                              <m:begChr m:val="["/>
-                                              <m:endChr m:val="]"/>
-                                              <m:sepChr m:val=""/>
-                                              <m:grow/>
-                                            </m:dPr>
-                                            <m:e>
-                                              <m:r>
-                                                <m:t>n</m:t>
-                                              </m:r>
-                                              <m:r>
-                                                <m:rPr>
-                                                  <m:sty m:val="p"/>
-                                                </m:rPr>
-                                                <m:t>−</m:t>
-                                              </m:r>
-                                              <m:r>
-                                                <m:t>1</m:t>
-                                              </m:r>
-                                              <m:r>
-                                                <m:rPr>
-                                                  <m:sty m:val="p"/>
-                                                </m:rPr>
-                                                <m:t>,</m:t>
-                                              </m:r>
-                                              <m:r>
-                                                <m:t>n</m:t>
-                                              </m:r>
-                                            </m:e>
-                                          </m:d>
-                                          <m:r>
-                                            <m:rPr>
-                                              <m:sty m:val="p"/>
-                                            </m:rPr>
-                                            <m:t>}</m:t>
-                                          </m:r>
-                                        </m:e>
-                                        <m:lim>
-                                          <m:r>
-                                            <m:rPr>
-                                              <m:sty m:val="p"/>
-                                            </m:rPr>
-                                            <m:t>⏟</m:t>
-                                          </m:r>
-                                        </m:lim>
-                                      </m:limLow>
-                                    </m:e>
-                                    <m:lim>
-                                      <m:d>
-                                        <m:dPr>
-                                          <m:begChr m:val="("/>
-                                          <m:endChr m:val=")"/>
-                                          <m:sepChr m:val=""/>
-                                          <m:grow/>
-                                        </m:dPr>
-                                        <m:e>
-                                          <m:r>
-                                            <m:t>n</m:t>
-                                          </m:r>
-                                          <m:r>
-                                            <m:rPr>
-                                              <m:sty m:val="p"/>
-                                            </m:rPr>
-                                            <m:t>−</m:t>
-                                          </m:r>
-                                          <m:r>
-                                            <m:t>1</m:t>
-                                          </m:r>
-                                        </m:e>
-                                      </m:d>
-                                      <m:r>
-                                        <m:rPr>
-                                          <m:nor/>
-                                          <m:sty m:val="p"/>
-                                        </m:rPr>
-                                        <m:t> values</m:t>
-                                      </m:r>
-                                    </m:lim>
-                                  </m:limLow>
-                                </m:e>
-                              </m:mr>
-                            </m:m>
-                          </m:e>
-                          <m:e>
-                            <m:d>
-                              <m:dPr>
-                                <m:begChr m:val="{"/>
-                                <m:endChr m:val=""/>
-                                <m:sepChr m:val=""/>
-                                <m:grow/>
-                              </m:dPr>
-                              <m:e>
-                                <m:m>
-                                  <m:mPr>
-                                    <m:baseJc m:val="center"/>
-                                    <m:plcHide m:val="1"/>
-                                    <m:mcs>
-                                      <m:mc>
-                                        <m:mcPr>
-                                          <m:mcJc m:val="left"/>
-                                          <m:count m:val="1"/>
-                                        </m:mcPr>
-                                      </m:mc>
-                                      <m:mc>
-                                        <m:mcPr>
-                                          <m:mcJc m:val="left"/>
-                                          <m:count m:val="1"/>
-                                        </m:mcPr>
-                                      </m:mc>
-                                    </m:mcs>
-                                  </m:mPr>
-                                  <m:mr>
-                                    <m:e/>
-                                    <m:e>
-                                      <m:r>
-                                        <m:rPr>
-                                          <m:sty m:val="p"/>
-                                        </m:rPr>
-                                        <m:t>ℓ</m:t>
-                                      </m:r>
-                                      <m:r>
-                                        <m:rPr>
-                                          <m:sty m:val="p"/>
-                                        </m:rPr>
-                                        <m:t>=</m:t>
-                                      </m:r>
-                                      <m:r>
-                                        <m:t>2</m:t>
-                                      </m:r>
-                                    </m:e>
-                                  </m:mr>
-                                  <m:mr>
-                                    <m:e/>
-                                    <m:e>
-                                      <m:r>
-                                        <m:rPr>
-                                          <m:nor/>
-                                          <m:sty m:val="p"/>
-                                        </m:rPr>
-                                        <m:t>for </m:t>
-                                      </m:r>
-                                      <m:r>
-                                        <m:t>i</m:t>
-                                      </m:r>
-                                      <m:r>
-                                        <m:rPr>
-                                          <m:sty m:val="p"/>
-                                        </m:rPr>
-                                        <m:t>=</m:t>
-                                      </m:r>
-                                      <m:r>
-                                        <m:t>1</m:t>
-                                      </m:r>
-                                      <m:r>
-                                        <m:rPr>
-                                          <m:nor/>
-                                          <m:sty m:val="p"/>
-                                        </m:rPr>
-                                        <m:t> to </m:t>
-                                      </m:r>
-                                      <m:r>
-                                        <m:t>n</m:t>
-                                      </m:r>
-                                      <m:r>
-                                        <m:rPr>
-                                          <m:sty m:val="p"/>
-                                        </m:rPr>
-                                        <m:t>−</m:t>
-                                      </m:r>
-                                      <m:r>
-                                        <m:t>1</m:t>
-                                      </m:r>
-                                      <m:r>
-                                        <m:rPr>
-                                          <m:nor/>
-                                          <m:sty m:val="p"/>
-                                        </m:rPr>
-                                        <m:t> do </m:t>
-                                      </m:r>
-                                    </m:e>
-                                  </m:mr>
-                                  <m:mr>
-                                    <m:e/>
-                                    <m:e>
-                                      <m:r>
-                                        <m:t> </m:t>
-                                      </m:r>
-                                      <m:r>
-                                        <m:t>m</m:t>
-                                      </m:r>
-                                      <m:d>
-                                        <m:dPr>
-                                          <m:begChr m:val="["/>
-                                          <m:endChr m:val="]"/>
-                                          <m:sepChr m:val=""/>
-                                          <m:grow/>
-                                        </m:dPr>
-                                        <m:e>
-                                          <m:r>
-                                            <m:t>i</m:t>
-                                          </m:r>
-                                          <m:r>
-                                            <m:rPr>
-                                              <m:sty m:val="p"/>
-                                            </m:rPr>
-                                            <m:t>,</m:t>
-                                          </m:r>
-                                          <m:r>
-                                            <m:t>i</m:t>
-                                          </m:r>
-                                          <m:r>
-                                            <m:rPr>
-                                              <m:sty m:val="p"/>
-                                            </m:rPr>
-                                            <m:t>+</m:t>
-                                          </m:r>
-                                          <m:r>
-                                            <m:t>1</m:t>
-                                          </m:r>
-                                        </m:e>
-                                      </m:d>
-                                      <m:r>
-                                        <m:rPr>
-                                          <m:sty m:val="p"/>
-                                        </m:rPr>
-                                        <m:t>=</m:t>
-                                      </m:r>
-                                      <m:r>
-                                        <m:rPr>
-                                          <m:sty m:val="p"/>
-                                        </m:rPr>
-                                        <m:t>∞</m:t>
-                                      </m:r>
-                                    </m:e>
-                                  </m:mr>
-                                  <m:mr>
-                                    <m:e/>
-                                    <m:e>
-                                      <m:r>
-                                        <m:t> </m:t>
-                                      </m:r>
-                                      <m:r>
-                                        <m:t> </m:t>
-                                      </m:r>
-                                      <m:r>
-                                        <m:rPr>
-                                          <m:nor/>
-                                          <m:sty m:val="p"/>
-                                        </m:rPr>
-                                        <m:t>for </m:t>
-                                      </m:r>
-                                      <m:r>
-                                        <m:t>k</m:t>
-                                      </m:r>
-                                      <m:r>
-                                        <m:rPr>
-                                          <m:sty m:val="p"/>
-                                        </m:rPr>
-                                        <m:t>=</m:t>
-                                      </m:r>
-                                      <m:r>
-                                        <m:t>i</m:t>
-                                      </m:r>
-                                      <m:r>
-                                        <m:rPr>
-                                          <m:nor/>
-                                          <m:sty m:val="p"/>
-                                        </m:rPr>
-                                        <m:t> to </m:t>
-                                      </m:r>
-                                      <m:r>
-                                        <m:t>i</m:t>
-                                      </m:r>
-                                      <m:r>
-                                        <m:rPr>
-                                          <m:nor/>
-                                          <m:sty m:val="p"/>
-                                        </m:rPr>
-                                        <m:t> do </m:t>
-                                      </m:r>
-                                    </m:e>
-                                  </m:mr>
-                                  <m:mr>
-                                    <m:e/>
-                                    <m:e>
-                                      <m:r>
-                                        <m:t> </m:t>
-                                      </m:r>
-                                      <m:r>
-                                        <m:t> </m:t>
-                                      </m:r>
-                                      <m:r>
-                                        <m:t> </m:t>
-                                      </m:r>
-                                      <m:r>
-                                        <m:rPr>
-                                          <m:sty m:val="p"/>
-                                        </m:rPr>
-                                        <m:t>⋮</m:t>
-                                      </m:r>
-                                    </m:e>
-                                  </m:mr>
-                                </m:m>
-                              </m:e>
-                            </m:d>
-                          </m:e>
-                        </m:mr>
-                        <m:mr>
-                          <m:e>
-                            <m:m>
-                              <m:mPr>
-                                <m:baseJc m:val="center"/>
-                                <m:plcHide m:val="1"/>
-                                <m:mcs>
-                                  <m:mc>
-                                    <m:mcPr>
-                                      <m:mcJc m:val="right"/>
-                                      <m:count m:val="1"/>
-                                    </m:mcPr>
-                                  </m:mc>
-                                </m:mcs>
-                              </m:mPr>
-                              <m:mr>
-                                <m:e>
-                                  <m:r>
-                                    <m:rPr>
-                                      <m:nor/>
-                                      <m:sty m:val="p"/>
-                                    </m:rPr>
-                                    <m:t>compute </m:t>
-                                  </m:r>
-                                  <m:r>
-                                    <m:t>m</m:t>
-                                  </m:r>
-                                  <m:d>
-                                    <m:dPr>
-                                      <m:begChr m:val="["/>
-                                      <m:endChr m:val="]"/>
-                                      <m:sepChr m:val=""/>
-                                      <m:grow/>
-                                    </m:dPr>
-                                    <m:e>
-                                      <m:r>
-                                        <m:t>i</m:t>
-                                      </m:r>
-                                      <m:r>
-                                        <m:rPr>
-                                          <m:sty m:val="p"/>
-                                        </m:rPr>
-                                        <m:t>,</m:t>
-                                      </m:r>
-                                      <m:r>
-                                        <m:t>i</m:t>
-                                      </m:r>
-                                      <m:r>
-                                        <m:rPr>
-                                          <m:sty m:val="p"/>
-                                        </m:rPr>
-                                        <m:t>+</m:t>
-                                      </m:r>
-                                      <m:r>
-                                        <m:t>2</m:t>
-                                      </m:r>
-                                    </m:e>
-                                  </m:d>
-                                </m:e>
-                              </m:mr>
-                              <m:mr>
-                                <m:e>
-                                  <m:limLow>
-                                    <m:e>
-                                      <m:limLow>
-                                        <m:e>
-                                          <m:r>
-                                            <m:rPr>
-                                              <m:sty m:val="p"/>
-                                            </m:rPr>
-                                            <m:t>{</m:t>
-                                          </m:r>
-                                          <m:r>
-                                            <m:t>m</m:t>
-                                          </m:r>
-                                          <m:d>
-                                            <m:dPr>
-                                              <m:begChr m:val="["/>
-                                              <m:endChr m:val="]"/>
-                                              <m:sepChr m:val=""/>
-                                              <m:grow/>
-                                            </m:dPr>
-                                            <m:e>
-                                              <m:r>
-                                                <m:t>1</m:t>
-                                              </m:r>
-                                              <m:r>
-                                                <m:rPr>
-                                                  <m:sty m:val="p"/>
-                                                </m:rPr>
-                                                <m:t>,</m:t>
-                                              </m:r>
-                                              <m:r>
-                                                <m:t>3</m:t>
-                                              </m:r>
-                                            </m:e>
-                                          </m:d>
-                                          <m:r>
-                                            <m:rPr>
-                                              <m:sty m:val="p"/>
-                                            </m:rPr>
-                                            <m:t>,</m:t>
-                                          </m:r>
-                                          <m:r>
-                                            <m:t>m</m:t>
-                                          </m:r>
-                                          <m:d>
-                                            <m:dPr>
-                                              <m:begChr m:val="["/>
-                                              <m:endChr m:val="]"/>
-                                              <m:sepChr m:val=""/>
-                                              <m:grow/>
-                                            </m:dPr>
-                                            <m:e>
-                                              <m:r>
-                                                <m:t>2</m:t>
-                                              </m:r>
-                                              <m:r>
-                                                <m:rPr>
-                                                  <m:sty m:val="p"/>
-                                                </m:rPr>
-                                                <m:t>,</m:t>
-                                              </m:r>
-                                              <m:r>
-                                                <m:t>4</m:t>
-                                              </m:r>
-                                            </m:e>
-                                          </m:d>
-                                          <m:r>
-                                            <m:rPr>
-                                              <m:sty m:val="p"/>
-                                            </m:rPr>
-                                            <m:t>,</m:t>
-                                          </m:r>
-                                          <m:r>
-                                            <m:rPr>
-                                              <m:sty m:val="p"/>
-                                            </m:rPr>
-                                            <m:t>…</m:t>
-                                          </m:r>
-                                          <m:r>
-                                            <m:rPr>
-                                              <m:sty m:val="p"/>
-                                            </m:rPr>
-                                            <m:t>,</m:t>
-                                          </m:r>
-                                          <m:r>
-                                            <m:t>m</m:t>
-                                          </m:r>
-                                          <m:d>
-                                            <m:dPr>
-                                              <m:begChr m:val="["/>
-                                              <m:endChr m:val="]"/>
-                                              <m:sepChr m:val=""/>
-                                              <m:grow/>
-                                            </m:dPr>
-                                            <m:e>
-                                              <m:r>
-                                                <m:t>n</m:t>
-                                              </m:r>
-                                              <m:r>
-                                                <m:rPr>
-                                                  <m:sty m:val="p"/>
-                                                </m:rPr>
-                                                <m:t>−</m:t>
-                                              </m:r>
-                                              <m:r>
-                                                <m:t>2</m:t>
-                                              </m:r>
-                                              <m:r>
-                                                <m:rPr>
-                                                  <m:sty m:val="p"/>
-                                                </m:rPr>
-                                                <m:t>,</m:t>
-                                              </m:r>
-                                              <m:r>
-                                                <m:t>n</m:t>
-                                              </m:r>
-                                            </m:e>
-                                          </m:d>
-                                          <m:r>
-                                            <m:rPr>
-                                              <m:sty m:val="p"/>
-                                            </m:rPr>
-                                            <m:t>}</m:t>
-                                          </m:r>
-                                        </m:e>
-                                        <m:lim>
-                                          <m:r>
-                                            <m:rPr>
-                                              <m:sty m:val="p"/>
-                                            </m:rPr>
-                                            <m:t>⏟</m:t>
-                                          </m:r>
-                                        </m:lim>
-                                      </m:limLow>
-                                    </m:e>
-                                    <m:lim>
-                                      <m:d>
-                                        <m:dPr>
-                                          <m:begChr m:val="("/>
-                                          <m:endChr m:val=")"/>
-                                          <m:sepChr m:val=""/>
-                                          <m:grow/>
-                                        </m:dPr>
-                                        <m:e>
-                                          <m:r>
-                                            <m:t>n</m:t>
-                                          </m:r>
-                                          <m:r>
-                                            <m:rPr>
-                                              <m:sty m:val="p"/>
-                                            </m:rPr>
-                                            <m:t>−</m:t>
-                                          </m:r>
-                                          <m:r>
-                                            <m:t>2</m:t>
-                                          </m:r>
-                                        </m:e>
-                                      </m:d>
-                                      <m:r>
-                                        <m:rPr>
-                                          <m:nor/>
-                                          <m:sty m:val="p"/>
-                                        </m:rPr>
-                                        <m:t> values</m:t>
-                                      </m:r>
-                                    </m:lim>
-                                  </m:limLow>
-                                </m:e>
-                              </m:mr>
-                            </m:m>
-                          </m:e>
-                          <m:e>
-                            <m:d>
-                              <m:dPr>
-                                <m:begChr m:val="{"/>
-                                <m:endChr m:val=""/>
-                                <m:sepChr m:val=""/>
-                                <m:grow/>
-                              </m:dPr>
-                              <m:e>
-                                <m:m>
-                                  <m:mPr>
-                                    <m:baseJc m:val="center"/>
-                                    <m:plcHide m:val="1"/>
-                                    <m:mcs>
-                                      <m:mc>
-                                        <m:mcPr>
-                                          <m:mcJc m:val="left"/>
-                                          <m:count m:val="1"/>
-                                        </m:mcPr>
-                                      </m:mc>
-                                      <m:mc>
-                                        <m:mcPr>
-                                          <m:mcJc m:val="left"/>
-                                          <m:count m:val="1"/>
-                                        </m:mcPr>
-                                      </m:mc>
-                                    </m:mcs>
-                                  </m:mPr>
-                                  <m:mr>
-                                    <m:e/>
-                                    <m:e>
-                                      <m:r>
-                                        <m:rPr>
-                                          <m:sty m:val="p"/>
-                                        </m:rPr>
-                                        <m:t>ℓ</m:t>
-                                      </m:r>
-                                      <m:r>
-                                        <m:rPr>
-                                          <m:sty m:val="p"/>
-                                        </m:rPr>
-                                        <m:t>=</m:t>
-                                      </m:r>
-                                      <m:r>
-                                        <m:t>3</m:t>
-                                      </m:r>
-                                    </m:e>
-                                  </m:mr>
-                                  <m:mr>
-                                    <m:e/>
-                                    <m:e>
-                                      <m:r>
-                                        <m:rPr>
-                                          <m:nor/>
-                                          <m:sty m:val="p"/>
-                                        </m:rPr>
-                                        <m:t>for </m:t>
-                                      </m:r>
-                                      <m:r>
-                                        <m:t>i</m:t>
-                                      </m:r>
-                                      <m:r>
-                                        <m:rPr>
-                                          <m:sty m:val="p"/>
-                                        </m:rPr>
-                                        <m:t>=</m:t>
-                                      </m:r>
-                                      <m:r>
-                                        <m:t>1</m:t>
-                                      </m:r>
-                                      <m:r>
-                                        <m:rPr>
-                                          <m:nor/>
-                                          <m:sty m:val="p"/>
-                                        </m:rPr>
-                                        <m:t> to </m:t>
-                                      </m:r>
-                                      <m:r>
-                                        <m:t>n</m:t>
-                                      </m:r>
-                                      <m:r>
-                                        <m:rPr>
-                                          <m:sty m:val="p"/>
-                                        </m:rPr>
-                                        <m:t>−</m:t>
-                                      </m:r>
-                                      <m:r>
-                                        <m:t>2</m:t>
-                                      </m:r>
-                                      <m:r>
-                                        <m:rPr>
-                                          <m:nor/>
-                                          <m:sty m:val="p"/>
-                                        </m:rPr>
-                                        <m:t> do </m:t>
-                                      </m:r>
-                                    </m:e>
-                                  </m:mr>
-                                  <m:mr>
-                                    <m:e/>
-                                    <m:e>
-                                      <m:r>
-                                        <m:t> </m:t>
-                                      </m:r>
-                                      <m:r>
-                                        <m:t>m</m:t>
-                                      </m:r>
-                                      <m:d>
-                                        <m:dPr>
-                                          <m:begChr m:val="["/>
-                                          <m:endChr m:val="]"/>
-                                          <m:sepChr m:val=""/>
-                                          <m:grow/>
-                                        </m:dPr>
-                                        <m:e>
-                                          <m:r>
-                                            <m:t>i</m:t>
-                                          </m:r>
-                                          <m:r>
-                                            <m:rPr>
-                                              <m:sty m:val="p"/>
-                                            </m:rPr>
-                                            <m:t>,</m:t>
-                                          </m:r>
-                                          <m:r>
-                                            <m:t>i</m:t>
-                                          </m:r>
-                                          <m:r>
-                                            <m:rPr>
-                                              <m:sty m:val="p"/>
-                                            </m:rPr>
-                                            <m:t>+</m:t>
-                                          </m:r>
-                                          <m:r>
-                                            <m:t>2</m:t>
-                                          </m:r>
-                                        </m:e>
-                                      </m:d>
-                                      <m:r>
-                                        <m:rPr>
-                                          <m:sty m:val="p"/>
-                                        </m:rPr>
-                                        <m:t>=</m:t>
-                                      </m:r>
-                                      <m:r>
-                                        <m:rPr>
-                                          <m:sty m:val="p"/>
-                                        </m:rPr>
-                                        <m:t>∞</m:t>
-                                      </m:r>
-                                    </m:e>
-                                  </m:mr>
-                                  <m:mr>
-                                    <m:e/>
-                                    <m:e>
-                                      <m:r>
-                                        <m:t> </m:t>
-                                      </m:r>
-                                      <m:r>
-                                        <m:t> </m:t>
-                                      </m:r>
-                                      <m:r>
-                                        <m:rPr>
-                                          <m:nor/>
-                                          <m:sty m:val="p"/>
-                                        </m:rPr>
-                                        <m:t>for </m:t>
-                                      </m:r>
-                                      <m:r>
-                                        <m:t>k</m:t>
-                                      </m:r>
-                                      <m:r>
-                                        <m:rPr>
-                                          <m:sty m:val="p"/>
-                                        </m:rPr>
-                                        <m:t>=</m:t>
-                                      </m:r>
-                                      <m:r>
-                                        <m:t>i</m:t>
-                                      </m:r>
-                                      <m:r>
-                                        <m:rPr>
-                                          <m:nor/>
-                                          <m:sty m:val="p"/>
-                                        </m:rPr>
-                                        <m:t> to </m:t>
-                                      </m:r>
-                                      <m:r>
-                                        <m:t>i</m:t>
-                                      </m:r>
-                                      <m:r>
-                                        <m:rPr>
-                                          <m:sty m:val="p"/>
-                                        </m:rPr>
-                                        <m:t>+</m:t>
-                                      </m:r>
-                                      <m:r>
-                                        <m:t>1</m:t>
-                                      </m:r>
-                                      <m:r>
-                                        <m:rPr>
-                                          <m:nor/>
-                                          <m:sty m:val="p"/>
-                                        </m:rPr>
-                                        <m:t> do </m:t>
-                                      </m:r>
-                                    </m:e>
-                                  </m:mr>
-                                  <m:mr>
-                                    <m:e/>
-                                    <m:e>
-                                      <m:r>
-                                        <m:t> </m:t>
-                                      </m:r>
-                                      <m:r>
-                                        <m:t> </m:t>
-                                      </m:r>
-                                      <m:r>
-                                        <m:t> </m:t>
-                                      </m:r>
-                                      <m:r>
-                                        <m:rPr>
-                                          <m:sty m:val="p"/>
-                                        </m:rPr>
-                                        <m:t>⋮</m:t>
-                                      </m:r>
-                                    </m:e>
-                                  </m:mr>
-                                </m:m>
-                              </m:e>
-                            </m:d>
-                          </m:e>
-                        </m:mr>
-                        <m:mr>
-                          <m:e>
-                            <m:m>
-                              <m:mPr>
-                                <m:baseJc m:val="center"/>
-                                <m:plcHide m:val="1"/>
-                                <m:mcs>
-                                  <m:mc>
-                                    <m:mcPr>
-                                      <m:mcJc m:val="right"/>
-                                      <m:count m:val="1"/>
-                                    </m:mcPr>
-                                  </m:mc>
-                                </m:mcs>
-                              </m:mPr>
-                              <m:mr>
-                                <m:e>
-                                  <m:r>
-                                    <m:rPr>
-                                      <m:nor/>
-                                      <m:sty m:val="p"/>
-                                    </m:rPr>
-                                    <m:t>compute </m:t>
-                                  </m:r>
-                                  <m:r>
-                                    <m:t>m</m:t>
-                                  </m:r>
-                                  <m:d>
-                                    <m:dPr>
-                                      <m:begChr m:val="["/>
-                                      <m:endChr m:val="]"/>
-                                      <m:sepChr m:val=""/>
-                                      <m:grow/>
-                                    </m:dPr>
-                                    <m:e>
-                                      <m:r>
-                                        <m:t>i</m:t>
-                                      </m:r>
-                                      <m:r>
-                                        <m:rPr>
-                                          <m:sty m:val="p"/>
-                                        </m:rPr>
-                                        <m:t>,</m:t>
-                                      </m:r>
-                                      <m:r>
-                                        <m:t>i</m:t>
-                                      </m:r>
-                                      <m:r>
-                                        <m:rPr>
-                                          <m:sty m:val="p"/>
-                                        </m:rPr>
-                                        <m:t>+</m:t>
-                                      </m:r>
-                                      <m:r>
-                                        <m:t>3</m:t>
-                                      </m:r>
-                                    </m:e>
-                                  </m:d>
-                                </m:e>
-                              </m:mr>
-                              <m:mr>
-                                <m:e>
-                                  <m:limLow>
-                                    <m:e>
-                                      <m:limLow>
-                                        <m:e>
-                                          <m:r>
-                                            <m:rPr>
-                                              <m:sty m:val="p"/>
-                                            </m:rPr>
-                                            <m:t>{</m:t>
-                                          </m:r>
-                                          <m:r>
-                                            <m:t>m</m:t>
-                                          </m:r>
-                                          <m:d>
-                                            <m:dPr>
-                                              <m:begChr m:val="["/>
-                                              <m:endChr m:val="]"/>
-                                              <m:sepChr m:val=""/>
-                                              <m:grow/>
-                                            </m:dPr>
-                                            <m:e>
-                                              <m:r>
-                                                <m:t>1</m:t>
-                                              </m:r>
-                                              <m:r>
-                                                <m:rPr>
-                                                  <m:sty m:val="p"/>
-                                                </m:rPr>
-                                                <m:t>,</m:t>
-                                              </m:r>
-                                              <m:r>
-                                                <m:t>4</m:t>
-                                              </m:r>
-                                            </m:e>
-                                          </m:d>
-                                          <m:r>
-                                            <m:rPr>
-                                              <m:sty m:val="p"/>
-                                            </m:rPr>
-                                            <m:t>,</m:t>
-                                          </m:r>
-                                          <m:r>
-                                            <m:t>m</m:t>
-                                          </m:r>
-                                          <m:d>
-                                            <m:dPr>
-                                              <m:begChr m:val="["/>
-                                              <m:endChr m:val="]"/>
-                                              <m:sepChr m:val=""/>
-                                              <m:grow/>
-                                            </m:dPr>
-                                            <m:e>
-                                              <m:r>
-                                                <m:t>2</m:t>
-                                              </m:r>
-                                              <m:r>
-                                                <m:rPr>
-                                                  <m:sty m:val="p"/>
-                                                </m:rPr>
-                                                <m:t>,</m:t>
-                                              </m:r>
-                                              <m:r>
-                                                <m:t>5</m:t>
-                                              </m:r>
-                                            </m:e>
-                                          </m:d>
-                                          <m:r>
-                                            <m:rPr>
-                                              <m:sty m:val="p"/>
-                                            </m:rPr>
-                                            <m:t>,</m:t>
-                                          </m:r>
-                                          <m:r>
-                                            <m:rPr>
-                                              <m:sty m:val="p"/>
-                                            </m:rPr>
-                                            <m:t>…</m:t>
-                                          </m:r>
-                                          <m:r>
-                                            <m:rPr>
-                                              <m:sty m:val="p"/>
-                                            </m:rPr>
-                                            <m:t>,</m:t>
-                                          </m:r>
-                                          <m:r>
-                                            <m:t>m</m:t>
-                                          </m:r>
-                                          <m:d>
-                                            <m:dPr>
-                                              <m:begChr m:val="["/>
-                                              <m:endChr m:val="]"/>
-                                              <m:sepChr m:val=""/>
-                                              <m:grow/>
-                                            </m:dPr>
-                                            <m:e>
-                                              <m:r>
-                                                <m:t>n</m:t>
-                                              </m:r>
-                                              <m:r>
-                                                <m:rPr>
-                                                  <m:sty m:val="p"/>
-                                                </m:rPr>
-                                                <m:t>−</m:t>
-                                              </m:r>
-                                              <m:r>
-                                                <m:t>3</m:t>
-                                              </m:r>
-                                              <m:r>
-                                                <m:rPr>
-                                                  <m:sty m:val="p"/>
-                                                </m:rPr>
-                                                <m:t>,</m:t>
-                                              </m:r>
-                                              <m:r>
-                                                <m:t>n</m:t>
-                                              </m:r>
-                                            </m:e>
-                                          </m:d>
-                                          <m:r>
-                                            <m:rPr>
-                                              <m:sty m:val="p"/>
-                                            </m:rPr>
-                                            <m:t>}</m:t>
-                                          </m:r>
-                                        </m:e>
-                                        <m:lim>
-                                          <m:r>
-                                            <m:rPr>
-                                              <m:sty m:val="p"/>
-                                            </m:rPr>
-                                            <m:t>⏟</m:t>
-                                          </m:r>
-                                        </m:lim>
-                                      </m:limLow>
-                                    </m:e>
-                                    <m:lim>
-                                      <m:d>
-                                        <m:dPr>
-                                          <m:begChr m:val="("/>
-                                          <m:endChr m:val=")"/>
-                                          <m:sepChr m:val=""/>
-                                          <m:grow/>
-                                        </m:dPr>
-                                        <m:e>
-                                          <m:r>
-                                            <m:t>n</m:t>
-                                          </m:r>
-                                          <m:r>
-                                            <m:rPr>
-                                              <m:sty m:val="p"/>
-                                            </m:rPr>
-                                            <m:t>−</m:t>
-                                          </m:r>
-                                          <m:r>
-                                            <m:t>3</m:t>
-                                          </m:r>
-                                        </m:e>
-                                      </m:d>
-                                      <m:r>
-                                        <m:rPr>
-                                          <m:nor/>
-                                          <m:sty m:val="p"/>
-                                        </m:rPr>
-                                        <m:t> values</m:t>
-                                      </m:r>
-                                    </m:lim>
-                                  </m:limLow>
-                                </m:e>
-                              </m:mr>
-                            </m:m>
-                          </m:e>
-                          <m:e>
-                            <m:d>
-                              <m:dPr>
-                                <m:begChr m:val="{"/>
-                                <m:endChr m:val=""/>
-                                <m:sepChr m:val=""/>
-                                <m:grow/>
-                              </m:dPr>
-                              <m:e>
-                                <m:m>
-                                  <m:mPr>
-                                    <m:baseJc m:val="center"/>
-                                    <m:plcHide m:val="1"/>
-                                    <m:mcs>
-                                      <m:mc>
-                                        <m:mcPr>
-                                          <m:mcJc m:val="left"/>
-                                          <m:count m:val="1"/>
-                                        </m:mcPr>
-                                      </m:mc>
-                                      <m:mc>
-                                        <m:mcPr>
-                                          <m:mcJc m:val="left"/>
-                                          <m:count m:val="1"/>
-                                        </m:mcPr>
-                                      </m:mc>
-                                    </m:mcs>
-                                  </m:mPr>
-                                  <m:mr>
-                                    <m:e/>
-                                    <m:e>
-                                      <m:r>
-                                        <m:rPr>
-                                          <m:sty m:val="p"/>
-                                        </m:rPr>
-                                        <m:t>ℓ</m:t>
-                                      </m:r>
-                                      <m:r>
-                                        <m:rPr>
-                                          <m:sty m:val="p"/>
-                                        </m:rPr>
-                                        <m:t>=</m:t>
-                                      </m:r>
-                                      <m:r>
-                                        <m:t>4</m:t>
-                                      </m:r>
-                                    </m:e>
-                                  </m:mr>
-                                  <m:mr>
-                                    <m:e/>
-                                    <m:e>
-                                      <m:r>
-                                        <m:rPr>
-                                          <m:nor/>
-                                          <m:sty m:val="p"/>
-                                        </m:rPr>
-                                        <m:t>for </m:t>
-                                      </m:r>
-                                      <m:r>
-                                        <m:t>i</m:t>
-                                      </m:r>
-                                      <m:r>
-                                        <m:rPr>
-                                          <m:sty m:val="p"/>
-                                        </m:rPr>
-                                        <m:t>=</m:t>
-                                      </m:r>
-                                      <m:r>
-                                        <m:t>1</m:t>
-                                      </m:r>
-                                      <m:r>
-                                        <m:rPr>
-                                          <m:nor/>
-                                          <m:sty m:val="p"/>
-                                        </m:rPr>
-                                        <m:t> to </m:t>
-                                      </m:r>
-                                      <m:r>
-                                        <m:t>n</m:t>
-                                      </m:r>
-                                      <m:r>
-                                        <m:rPr>
-                                          <m:sty m:val="p"/>
-                                        </m:rPr>
-                                        <m:t>−</m:t>
-                                      </m:r>
-                                      <m:r>
-                                        <m:t>3</m:t>
-                                      </m:r>
-                                      <m:r>
-                                        <m:rPr>
-                                          <m:nor/>
-                                          <m:sty m:val="p"/>
-                                        </m:rPr>
-                                        <m:t> do </m:t>
-                                      </m:r>
-                                    </m:e>
-                                  </m:mr>
-                                  <m:mr>
-                                    <m:e/>
-                                    <m:e>
-                                      <m:r>
-                                        <m:t> </m:t>
-                                      </m:r>
-                                      <m:r>
-                                        <m:t>m</m:t>
-                                      </m:r>
-                                      <m:d>
-                                        <m:dPr>
-                                          <m:begChr m:val="["/>
-                                          <m:endChr m:val="]"/>
-                                          <m:sepChr m:val=""/>
-                                          <m:grow/>
-                                        </m:dPr>
-                                        <m:e>
-                                          <m:r>
-                                            <m:t>i</m:t>
-                                          </m:r>
-                                          <m:r>
-                                            <m:rPr>
-                                              <m:sty m:val="p"/>
-                                            </m:rPr>
-                                            <m:t>,</m:t>
-                                          </m:r>
-                                          <m:r>
-                                            <m:t>i</m:t>
-                                          </m:r>
-                                          <m:r>
-                                            <m:rPr>
-                                              <m:sty m:val="p"/>
-                                            </m:rPr>
-                                            <m:t>+</m:t>
-                                          </m:r>
-                                          <m:r>
-                                            <m:t>3</m:t>
-                                          </m:r>
-                                        </m:e>
-                                      </m:d>
-                                      <m:r>
-                                        <m:rPr>
-                                          <m:sty m:val="p"/>
-                                        </m:rPr>
-                                        <m:t>=</m:t>
-                                      </m:r>
-                                      <m:r>
-                                        <m:rPr>
-                                          <m:sty m:val="p"/>
-                                        </m:rPr>
-                                        <m:t>∞</m:t>
-                                      </m:r>
-                                    </m:e>
-                                  </m:mr>
-                                  <m:mr>
-                                    <m:e/>
-                                    <m:e>
-                                      <m:r>
-                                        <m:t> </m:t>
-                                      </m:r>
-                                      <m:r>
-                                        <m:t> </m:t>
-                                      </m:r>
-                                      <m:r>
-                                        <m:rPr>
-                                          <m:nor/>
-                                          <m:sty m:val="p"/>
-                                        </m:rPr>
-                                        <m:t>for </m:t>
-                                      </m:r>
-                                      <m:r>
-                                        <m:t>k</m:t>
-                                      </m:r>
-                                      <m:r>
-                                        <m:rPr>
-                                          <m:sty m:val="p"/>
-                                        </m:rPr>
-                                        <m:t>=</m:t>
-                                      </m:r>
-                                      <m:r>
-                                        <m:t>i</m:t>
-                                      </m:r>
-                                      <m:r>
-                                        <m:rPr>
-                                          <m:nor/>
-                                          <m:sty m:val="p"/>
-                                        </m:rPr>
-                                        <m:t> to </m:t>
-                                      </m:r>
-                                      <m:r>
-                                        <m:t>i</m:t>
-                                      </m:r>
-                                      <m:r>
-                                        <m:rPr>
-                                          <m:sty m:val="p"/>
-                                        </m:rPr>
-                                        <m:t>+</m:t>
-                                      </m:r>
-                                      <m:r>
-                                        <m:t>2</m:t>
-                                      </m:r>
-                                      <m:r>
-                                        <m:rPr>
-                                          <m:nor/>
-                                          <m:sty m:val="p"/>
-                                        </m:rPr>
-                                        <m:t> do </m:t>
-                                      </m:r>
-                                    </m:e>
-                                  </m:mr>
-                                  <m:mr>
-                                    <m:e/>
-                                    <m:e>
-                                      <m:r>
-                                        <m:t> </m:t>
-                                      </m:r>
-                                      <m:r>
-                                        <m:t> </m:t>
-                                      </m:r>
-                                      <m:r>
-                                        <m:t> </m:t>
-                                      </m:r>
-                                      <m:r>
-                                        <m:rPr>
-                                          <m:sty m:val="p"/>
-                                        </m:rPr>
-                                        <m:t>⋮</m:t>
-                                      </m:r>
-                                    </m:e>
-                                  </m:mr>
-                                </m:m>
-                              </m:e>
-                            </m:d>
-                          </m:e>
-                        </m:mr>
-                      </m:m>
-                    </m:oMath>
-                  </m:oMathPara>
-                </a14:m>
-              </a:p>
-            </p:txBody>
-          </p:sp>
-        </mc:Choice>
-      </mc:AlternateContent>
-    </p:spTree>
-  </p:cSld>
-</p:sld>
-</file>
-
-<file path=ppt/slides/slide15.xml><?xml version="1.0" encoding="utf-8"?>
-<p:sld xmlns:a="http://schemas.openxmlformats.org/drawingml/2006/main" xmlns:r="http://schemas.openxmlformats.org/officeDocument/2006/relationships" xmlns:p="http://schemas.openxmlformats.org/presentationml/2006/main">
-  <p:cSld>
-    <p:spTree>
-      <p:nvGrpSpPr>
-        <p:cNvPr id="1" name=""/>
-        <p:cNvGrpSpPr/>
-        <p:nvPr/>
-      </p:nvGrpSpPr>
-      <p:grpSpPr>
-        <a:xfrm>
-          <a:off x="0" y="0"/>
-          <a:ext cx="0" cy="0"/>
-          <a:chOff x="0" y="0"/>
-          <a:chExt cx="0" cy="0"/>
-        </a:xfrm>
-      </p:grpSpPr>
-      <mc:AlternateContent xmlns:mc="http://schemas.openxmlformats.org/markup-compatibility/2006">
-        <mc:Choice xmlns:a14="http://schemas.microsoft.com/office/drawing/2010/main" Requires="a14">
-          <p:sp>
-            <p:nvSpPr>
-              <p:cNvPr id="3" name="Content Placeholder 2"/>
-              <p:cNvSpPr>
-                <a:spLocks noGrp="1"/>
-              </p:cNvSpPr>
-              <p:nvPr>
-                <p:ph idx="1"/>
-              </p:nvPr>
-            </p:nvSpPr>
-            <p:spPr/>
-            <p:txBody>
-              <a:bodyPr/>
-              <a:lstStyle/>
-              <a:p>
-                <a:pPr lvl="0" indent="0" marL="0">
-                  <a:spcBef>
-                    <a:spcPts val="3000"/>
-                  </a:spcBef>
-                  <a:buNone/>
-                </a:pPr>
-                <a:r>
-                  <a:rPr b="1"/>
-                  <a:t>Latex Sample-2</a:t>
-                </a:r>
-              </a:p>
-              <a:p>
-                <a:pPr lvl="0" indent="0" marL="0">
-                  <a:buNone/>
-                </a:pPr>
-                <a14:m>
-                  <m:oMathPara xmlns:m="http://schemas.openxmlformats.org/officeDocument/2006/math">
-                    <m:oMathParaPr>
-                      <m:jc m:val="center"/>
-                    </m:oMathParaPr>
-                    <m:oMath>
-                      <m:m>
-                        <m:mPr>
-                          <m:baseJc m:val="center"/>
-                          <m:plcHide m:val="1"/>
-                          <m:mcs>
-                            <m:mc>
-                              <m:mcPr>
-                                <m:mcJc m:val="right"/>
-                                <m:count m:val="1"/>
-                              </m:mcPr>
-                            </m:mc>
-                            <m:mc>
-                              <m:mcPr>
-                                <m:mcJc m:val="left"/>
-                                <m:count m:val="1"/>
-                              </m:mcPr>
-                            </m:mc>
-                          </m:mcs>
-                        </m:mPr>
-                        <m:mr>
-                          <m:e/>
-                          <m:e>
-                            <m:r>
-                              <m:rPr>
-                                <m:nor/>
-                                <m:sty m:val="p"/>
-                              </m:rPr>
-                              <m:t>OPTIMAL-BST-COST</m:t>
-                            </m:r>
-                            <m:d>
-                              <m:dPr>
-                                <m:begChr m:val="("/>
-                                <m:endChr m:val=")"/>
-                                <m:sepChr m:val=""/>
-                                <m:grow/>
-                              </m:dPr>
-                              <m:e>
-                                <m:r>
-                                  <m:t>p</m:t>
-                                </m:r>
-                                <m:r>
-                                  <m:rPr>
-                                    <m:sty m:val="p"/>
-                                  </m:rPr>
-                                  <m:t>,</m:t>
-                                </m:r>
-                                <m:r>
-                                  <m:t>n</m:t>
-                                </m:r>
-                              </m:e>
-                            </m:d>
-                          </m:e>
-                        </m:mr>
-                        <m:mr>
-                          <m:e/>
-                          <m:e>
-                            <m:r>
-                              <m:t> </m:t>
-                            </m:r>
-                            <m:r>
-                              <m:rPr>
-                                <m:nor/>
-                                <m:sty m:val="p"/>
-                              </m:rPr>
-                              <m:t>for</m:t>
-                            </m:r>
-                            <m:r>
-                              <m:t> </m:t>
-                            </m:r>
-                            <m:r>
-                              <m:t>i</m:t>
-                            </m:r>
-                            <m:r>
-                              <m:rPr>
-                                <m:sty m:val="p"/>
-                              </m:rPr>
-                              <m:t>←</m:t>
-                            </m:r>
-                            <m:r>
-                              <m:t>1</m:t>
-                            </m:r>
-                            <m:r>
-                              <m:t> </m:t>
-                            </m:r>
-                            <m:r>
-                              <m:rPr>
-                                <m:nor/>
-                                <m:sty m:val="p"/>
-                              </m:rPr>
-                              <m:t>to</m:t>
-                            </m:r>
-                            <m:r>
-                              <m:t> </m:t>
-                            </m:r>
-                            <m:r>
-                              <m:t>n</m:t>
-                            </m:r>
-                            <m:r>
-                              <m:t> </m:t>
-                            </m:r>
-                            <m:r>
-                              <m:rPr>
-                                <m:nor/>
-                                <m:sty m:val="p"/>
-                              </m:rPr>
-                              <m:t>do</m:t>
-                            </m:r>
-                          </m:e>
-                        </m:mr>
-                        <m:mr>
-                          <m:e/>
-                          <m:e>
-                            <m:r>
-                              <m:t>  </m:t>
-                            </m:r>
-                            <m:r>
-                              <m:t>c</m:t>
-                            </m:r>
-                            <m:d>
-                              <m:dPr>
-                                <m:begChr m:val="["/>
-                                <m:endChr m:val="]"/>
-                                <m:sepChr m:val=""/>
-                                <m:grow/>
-                              </m:dPr>
-                              <m:e>
-                                <m:r>
-                                  <m:t>i</m:t>
-                                </m:r>
-                                <m:r>
-                                  <m:rPr>
-                                    <m:sty m:val="p"/>
-                                  </m:rPr>
-                                  <m:t>,</m:t>
-                                </m:r>
-                                <m:r>
-                                  <m:t>i</m:t>
-                                </m:r>
-                                <m:r>
-                                  <m:rPr>
-                                    <m:sty m:val="p"/>
-                                  </m:rPr>
-                                  <m:t>−</m:t>
-                                </m:r>
-                                <m:r>
-                                  <m:t>1</m:t>
-                                </m:r>
-                              </m:e>
-                            </m:d>
-                            <m:r>
-                              <m:rPr>
-                                <m:sty m:val="p"/>
-                              </m:rPr>
-                              <m:t>←</m:t>
-                            </m:r>
-                            <m:r>
-                              <m:t>0</m:t>
-                            </m:r>
-                          </m:e>
-                        </m:mr>
-                        <m:mr>
-                          <m:e/>
-                          <m:e>
-                            <m:r>
-                              <m:t>  </m:t>
-                            </m:r>
-                            <m:r>
-                              <m:t>c</m:t>
-                            </m:r>
-                            <m:d>
-                              <m:dPr>
-                                <m:begChr m:val="["/>
-                                <m:endChr m:val="]"/>
-                                <m:sepChr m:val=""/>
-                                <m:grow/>
-                              </m:dPr>
-                              <m:e>
-                                <m:r>
-                                  <m:t>i</m:t>
-                                </m:r>
-                                <m:r>
-                                  <m:rPr>
-                                    <m:sty m:val="p"/>
-                                  </m:rPr>
-                                  <m:t>,</m:t>
-                                </m:r>
-                                <m:r>
-                                  <m:t>i</m:t>
-                                </m:r>
-                              </m:e>
-                            </m:d>
-                            <m:r>
-                              <m:rPr>
-                                <m:sty m:val="p"/>
-                              </m:rPr>
-                              <m:t>←</m:t>
-                            </m:r>
-                            <m:r>
-                              <m:t>p</m:t>
-                            </m:r>
-                            <m:d>
-                              <m:dPr>
-                                <m:begChr m:val="["/>
-                                <m:endChr m:val="]"/>
-                                <m:sepChr m:val=""/>
-                                <m:grow/>
-                              </m:dPr>
-                              <m:e>
-                                <m:r>
-                                  <m:t>i</m:t>
-                                </m:r>
-                              </m:e>
-                            </m:d>
-                          </m:e>
-                        </m:mr>
-                        <m:mr>
-                          <m:e/>
-                          <m:e>
-                            <m:r>
-                              <m:t>  </m:t>
-                            </m:r>
-                            <m:r>
-                              <m:t>R</m:t>
-                            </m:r>
-                            <m:d>
-                              <m:dPr>
-                                <m:begChr m:val="["/>
-                                <m:endChr m:val="]"/>
-                                <m:sepChr m:val=""/>
-                                <m:grow/>
-                              </m:dPr>
-                              <m:e>
-                                <m:r>
-                                  <m:t>i</m:t>
-                                </m:r>
-                                <m:r>
-                                  <m:rPr>
-                                    <m:sty m:val="p"/>
-                                  </m:rPr>
-                                  <m:t>,</m:t>
-                                </m:r>
-                                <m:r>
-                                  <m:t>j</m:t>
-                                </m:r>
-                              </m:e>
-                            </m:d>
-                            <m:r>
-                              <m:rPr>
-                                <m:sty m:val="p"/>
-                              </m:rPr>
-                              <m:t>←</m:t>
-                            </m:r>
-                            <m:r>
-                              <m:t>i</m:t>
-                            </m:r>
-                          </m:e>
-                        </m:mr>
-                        <m:mr>
-                          <m:e/>
-                          <m:e>
-                            <m:r>
-                              <m:t> </m:t>
-                            </m:r>
-                            <m:r>
-                              <m:t>P</m:t>
-                            </m:r>
-                            <m:r>
-                              <m:t>S</m:t>
-                            </m:r>
-                            <m:d>
-                              <m:dPr>
-                                <m:begChr m:val="["/>
-                                <m:endChr m:val="]"/>
-                                <m:sepChr m:val=""/>
-                                <m:grow/>
-                              </m:dPr>
-                              <m:e>
-                                <m:r>
-                                  <m:t>1</m:t>
-                                </m:r>
-                              </m:e>
-                            </m:d>
-                            <m:r>
-                              <m:rPr>
-                                <m:sty m:val="p"/>
-                              </m:rPr>
-                              <m:t>←</m:t>
-                            </m:r>
-                            <m:r>
-                              <m:t>p</m:t>
-                            </m:r>
-                            <m:d>
-                              <m:dPr>
-                                <m:begChr m:val="["/>
-                                <m:endChr m:val="]"/>
-                                <m:sepChr m:val=""/>
-                                <m:grow/>
-                              </m:dPr>
-                              <m:e>
-                                <m:r>
-                                  <m:t>1</m:t>
-                                </m:r>
-                              </m:e>
-                            </m:d>
-                            <m:r>
-                              <m:rPr>
-                                <m:sty m:val="p"/>
-                              </m:rPr>
-                              <m:t>⇐</m:t>
-                            </m:r>
-                            <m:r>
-                              <m:t>P</m:t>
-                            </m:r>
-                            <m:r>
-                              <m:t>S</m:t>
-                            </m:r>
-                            <m:d>
-                              <m:dPr>
-                                <m:begChr m:val="["/>
-                                <m:endChr m:val="]"/>
-                                <m:sepChr m:val=""/>
-                                <m:grow/>
-                              </m:dPr>
-                              <m:e>
-                                <m:r>
-                                  <m:t>i</m:t>
-                                </m:r>
-                              </m:e>
-                            </m:d>
-                            <m:r>
-                              <m:rPr>
-                                <m:sty m:val="p"/>
-                              </m:rPr>
-                              <m:t>→</m:t>
-                            </m:r>
-                            <m:r>
-                              <m:rPr>
-                                <m:nor/>
-                                <m:sty m:val="p"/>
-                              </m:rPr>
-                              <m:t> prefix-sum </m:t>
-                            </m:r>
-                            <m:d>
-                              <m:dPr>
-                                <m:begChr m:val="("/>
-                                <m:endChr m:val=")"/>
-                                <m:sepChr m:val=""/>
-                                <m:grow/>
-                              </m:dPr>
-                              <m:e>
-                                <m:r>
-                                  <m:t>i</m:t>
-                                </m:r>
-                              </m:e>
-                            </m:d>
-                            <m:r>
-                              <m:rPr>
-                                <m:sty m:val="p"/>
-                              </m:rPr>
-                              <m:t>:</m:t>
-                            </m:r>
-                            <m:r>
-                              <m:rPr>
-                                <m:nor/>
-                                <m:sty m:val="p"/>
-                              </m:rPr>
-                              <m:t>Sum of all</m:t>
-                            </m:r>
-                            <m:r>
-                              <m:t> </m:t>
-                            </m:r>
-                            <m:r>
-                              <m:t>p</m:t>
-                            </m:r>
-                            <m:d>
-                              <m:dPr>
-                                <m:begChr m:val="["/>
-                                <m:endChr m:val="]"/>
-                                <m:sepChr m:val=""/>
-                                <m:grow/>
-                              </m:dPr>
-                              <m:e>
-                                <m:r>
-                                  <m:t>j</m:t>
-                                </m:r>
-                              </m:e>
-                            </m:d>
-                            <m:r>
-                              <m:t> </m:t>
-                            </m:r>
-                            <m:r>
-                              <m:rPr>
-                                <m:nor/>
-                                <m:sty m:val="p"/>
-                              </m:rPr>
-                              <m:t>values for</m:t>
-                            </m:r>
-                            <m:r>
-                              <m:t> </m:t>
-                            </m:r>
-                            <m:r>
-                              <m:t>j</m:t>
-                            </m:r>
-                            <m:r>
-                              <m:rPr>
-                                <m:sty m:val="p"/>
-                              </m:rPr>
-                              <m:t>≤</m:t>
-                            </m:r>
-                            <m:r>
-                              <m:t>i</m:t>
-                            </m:r>
-                          </m:e>
-                        </m:mr>
-                        <m:mr>
-                          <m:e/>
-                          <m:e>
-                            <m:r>
-                              <m:t> </m:t>
-                            </m:r>
-                            <m:r>
-                              <m:rPr>
-                                <m:nor/>
-                                <m:sty m:val="p"/>
-                              </m:rPr>
-                              <m:t>for</m:t>
-                            </m:r>
-                            <m:r>
-                              <m:t> </m:t>
-                            </m:r>
-                            <m:r>
-                              <m:t>i</m:t>
-                            </m:r>
-                            <m:r>
-                              <m:rPr>
-                                <m:sty m:val="p"/>
-                              </m:rPr>
-                              <m:t>←</m:t>
-                            </m:r>
-                            <m:r>
-                              <m:t>2</m:t>
-                            </m:r>
-                            <m:r>
-                              <m:t> </m:t>
-                            </m:r>
-                            <m:r>
-                              <m:rPr>
-                                <m:nor/>
-                                <m:sty m:val="p"/>
-                              </m:rPr>
-                              <m:t>to</m:t>
-                            </m:r>
-                            <m:r>
-                              <m:t> </m:t>
-                            </m:r>
-                            <m:r>
-                              <m:t>n</m:t>
-                            </m:r>
-                            <m:r>
-                              <m:t> </m:t>
-                            </m:r>
-                            <m:r>
-                              <m:rPr>
-                                <m:nor/>
-                                <m:sty m:val="p"/>
-                              </m:rPr>
-                              <m:t>do</m:t>
-                            </m:r>
-                          </m:e>
-                        </m:mr>
-                        <m:mr>
-                          <m:e/>
-                          <m:e>
-                            <m:r>
-                              <m:t>  </m:t>
-                            </m:r>
-                            <m:r>
-                              <m:t>P</m:t>
-                            </m:r>
-                            <m:r>
-                              <m:t>S</m:t>
-                            </m:r>
-                            <m:d>
-                              <m:dPr>
-                                <m:begChr m:val="["/>
-                                <m:endChr m:val="]"/>
-                                <m:sepChr m:val=""/>
-                                <m:grow/>
-                              </m:dPr>
-                              <m:e>
-                                <m:r>
-                                  <m:t>i</m:t>
-                                </m:r>
-                              </m:e>
-                            </m:d>
-                            <m:r>
-                              <m:rPr>
-                                <m:sty m:val="p"/>
-                              </m:rPr>
-                              <m:t>←</m:t>
-                            </m:r>
-                            <m:r>
-                              <m:t>p</m:t>
-                            </m:r>
-                            <m:d>
-                              <m:dPr>
-                                <m:begChr m:val="["/>
-                                <m:endChr m:val="]"/>
-                                <m:sepChr m:val=""/>
-                                <m:grow/>
-                              </m:dPr>
-                              <m:e>
-                                <m:r>
-                                  <m:t>i</m:t>
-                                </m:r>
-                              </m:e>
-                            </m:d>
-                            <m:r>
-                              <m:rPr>
-                                <m:sty m:val="p"/>
-                              </m:rPr>
-                              <m:t>+</m:t>
-                            </m:r>
-                            <m:r>
-                              <m:t>P</m:t>
-                            </m:r>
-                            <m:r>
-                              <m:t>S</m:t>
-                            </m:r>
-                            <m:d>
-                              <m:dPr>
-                                <m:begChr m:val="["/>
-                                <m:endChr m:val="]"/>
-                                <m:sepChr m:val=""/>
-                                <m:grow/>
-                              </m:dPr>
-                              <m:e>
-                                <m:r>
-                                  <m:t>i</m:t>
-                                </m:r>
-                                <m:r>
-                                  <m:rPr>
-                                    <m:sty m:val="p"/>
-                                  </m:rPr>
-                                  <m:t>−</m:t>
-                                </m:r>
-                                <m:r>
-                                  <m:t>1</m:t>
-                                </m:r>
-                              </m:e>
-                            </m:d>
-                            <m:r>
-                              <m:rPr>
-                                <m:sty m:val="p"/>
-                              </m:rPr>
-                              <m:t>⇐</m:t>
-                            </m:r>
-                            <m:r>
-                              <m:rPr>
-                                <m:nor/>
-                                <m:sty m:val="p"/>
-                              </m:rPr>
-                              <m:t>compute the prefix sum</m:t>
-                            </m:r>
-                          </m:e>
-                        </m:mr>
-                        <m:mr>
-                          <m:e/>
-                          <m:e>
-                            <m:r>
-                              <m:t> </m:t>
-                            </m:r>
-                            <m:r>
-                              <m:rPr>
-                                <m:nor/>
-                                <m:sty m:val="p"/>
-                              </m:rPr>
-                              <m:t>for</m:t>
-                            </m:r>
-                            <m:r>
-                              <m:t> </m:t>
-                            </m:r>
-                            <m:r>
-                              <m:t>d</m:t>
-                            </m:r>
-                            <m:r>
-                              <m:rPr>
-                                <m:sty m:val="p"/>
-                              </m:rPr>
-                              <m:t>←</m:t>
-                            </m:r>
-                            <m:r>
-                              <m:t>1</m:t>
-                            </m:r>
-                            <m:r>
-                              <m:t> </m:t>
-                            </m:r>
-                            <m:r>
-                              <m:rPr>
-                                <m:nor/>
-                                <m:sty m:val="p"/>
-                              </m:rPr>
-                              <m:t>to</m:t>
-                            </m:r>
-                            <m:r>
-                              <m:t> </m:t>
-                            </m:r>
-                            <m:r>
-                              <m:t>n</m:t>
-                            </m:r>
-                            <m:r>
-                              <m:rPr>
-                                <m:sty m:val="p"/>
-                              </m:rPr>
-                              <m:t>−</m:t>
-                            </m:r>
-                            <m:r>
-                              <m:t>1</m:t>
-                            </m:r>
-                            <m:r>
-                              <m:t> </m:t>
-                            </m:r>
-                            <m:r>
-                              <m:rPr>
-                                <m:nor/>
-                                <m:sty m:val="p"/>
-                              </m:rPr>
-                              <m:t>do</m:t>
-                            </m:r>
-                            <m:r>
-                              <m:rPr>
-                                <m:sty m:val="p"/>
-                              </m:rPr>
-                              <m:t>⇐</m:t>
-                            </m:r>
-                            <m:r>
-                              <m:rPr>
-                                <m:nor/>
-                                <m:sty m:val="p"/>
-                              </m:rPr>
-                              <m:t>BSTs with</m:t>
-                            </m:r>
-                            <m:r>
-                              <m:t> </m:t>
-                            </m:r>
-                            <m:r>
-                              <m:t>d</m:t>
-                            </m:r>
-                            <m:r>
-                              <m:rPr>
-                                <m:sty m:val="p"/>
-                              </m:rPr>
-                              <m:t>+</m:t>
-                            </m:r>
-                            <m:r>
-                              <m:t>1</m:t>
-                            </m:r>
-                            <m:r>
-                              <m:t> </m:t>
-                            </m:r>
-                            <m:r>
-                              <m:rPr>
-                                <m:nor/>
-                                <m:sty m:val="p"/>
-                              </m:rPr>
-                              <m:t>consecutive keys</m:t>
-                            </m:r>
-                          </m:e>
-                        </m:mr>
-                        <m:mr>
-                          <m:e/>
-                          <m:e>
-                            <m:r>
-                              <m:t>  </m:t>
-                            </m:r>
-                            <m:r>
-                              <m:rPr>
-                                <m:nor/>
-                                <m:sty m:val="p"/>
-                              </m:rPr>
-                              <m:t>for</m:t>
-                            </m:r>
-                            <m:r>
-                              <m:t> </m:t>
-                            </m:r>
-                            <m:r>
-                              <m:t>i</m:t>
-                            </m:r>
-                            <m:r>
-                              <m:rPr>
-                                <m:sty m:val="p"/>
-                              </m:rPr>
-                              <m:t>←</m:t>
-                            </m:r>
-                            <m:r>
-                              <m:t>1</m:t>
-                            </m:r>
-                            <m:r>
-                              <m:t> </m:t>
-                            </m:r>
-                            <m:r>
-                              <m:rPr>
-                                <m:nor/>
-                                <m:sty m:val="p"/>
-                              </m:rPr>
-                              <m:t>to</m:t>
-                            </m:r>
-                            <m:r>
-                              <m:t> </m:t>
-                            </m:r>
-                            <m:r>
-                              <m:t>n</m:t>
-                            </m:r>
-                            <m:r>
-                              <m:rPr>
-                                <m:sty m:val="p"/>
-                              </m:rPr>
-                              <m:t>–</m:t>
-                            </m:r>
-                            <m:r>
-                              <m:t>d</m:t>
-                            </m:r>
-                            <m:r>
-                              <m:t> </m:t>
-                            </m:r>
-                            <m:r>
-                              <m:rPr>
-                                <m:nor/>
-                                <m:sty m:val="p"/>
-                              </m:rPr>
-                              <m:t>do</m:t>
-                            </m:r>
-                          </m:e>
-                        </m:mr>
-                        <m:mr>
-                          <m:e/>
-                          <m:e>
-                            <m:r>
-                              <m:t>  </m:t>
-                            </m:r>
-                            <m:r>
-                              <m:t> </m:t>
-                            </m:r>
-                            <m:r>
-                              <m:t>j</m:t>
-                            </m:r>
-                            <m:r>
-                              <m:rPr>
-                                <m:sty m:val="p"/>
-                              </m:rPr>
-                              <m:t>←</m:t>
-                            </m:r>
-                            <m:r>
-                              <m:t>i</m:t>
-                            </m:r>
-                            <m:r>
-                              <m:rPr>
-                                <m:sty m:val="p"/>
-                              </m:rPr>
-                              <m:t>+</m:t>
-                            </m:r>
-                            <m:r>
-                              <m:t>d</m:t>
-                            </m:r>
-                          </m:e>
-                        </m:mr>
-                        <m:mr>
-                          <m:e/>
-                          <m:e>
-                            <m:r>
-                              <m:t>  </m:t>
-                            </m:r>
-                            <m:r>
-                              <m:t> </m:t>
-                            </m:r>
-                            <m:r>
-                              <m:t>c</m:t>
-                            </m:r>
-                            <m:d>
-                              <m:dPr>
-                                <m:begChr m:val="["/>
-                                <m:endChr m:val="]"/>
-                                <m:sepChr m:val=""/>
-                                <m:grow/>
-                              </m:dPr>
-                              <m:e>
-                                <m:r>
-                                  <m:t>i</m:t>
-                                </m:r>
-                                <m:r>
-                                  <m:rPr>
-                                    <m:sty m:val="p"/>
-                                  </m:rPr>
-                                  <m:t>,</m:t>
-                                </m:r>
-                                <m:r>
-                                  <m:t>j</m:t>
-                                </m:r>
-                              </m:e>
-                            </m:d>
-                            <m:r>
-                              <m:rPr>
-                                <m:sty m:val="p"/>
-                              </m:rPr>
-                              <m:t>←</m:t>
-                            </m:r>
-                            <m:r>
-                              <m:rPr>
-                                <m:sty m:val="p"/>
-                              </m:rPr>
-                              <m:t>∞</m:t>
-                            </m:r>
-                          </m:e>
-                        </m:mr>
-                        <m:mr>
-                          <m:e/>
-                          <m:e>
-                            <m:r>
-                              <m:t>  </m:t>
-                            </m:r>
-                            <m:r>
-                              <m:t> </m:t>
-                            </m:r>
-                            <m:r>
-                              <m:rPr>
-                                <m:nor/>
-                                <m:sty m:val="p"/>
-                              </m:rPr>
-                              <m:t>for</m:t>
-                            </m:r>
-                            <m:r>
-                              <m:t> </m:t>
-                            </m:r>
-                            <m:r>
-                              <m:t>r</m:t>
-                            </m:r>
-                            <m:r>
-                              <m:rPr>
-                                <m:sty m:val="p"/>
-                              </m:rPr>
-                              <m:t>←</m:t>
-                            </m:r>
-                            <m:r>
-                              <m:t>i</m:t>
-                            </m:r>
-                            <m:r>
-                              <m:t> </m:t>
-                            </m:r>
-                            <m:r>
-                              <m:rPr>
-                                <m:nor/>
-                                <m:sty m:val="p"/>
-                              </m:rPr>
-                              <m:t>to</m:t>
-                            </m:r>
-                            <m:r>
-                              <m:t> </m:t>
-                            </m:r>
-                            <m:r>
-                              <m:t>j</m:t>
-                            </m:r>
-                            <m:r>
-                              <m:t> </m:t>
-                            </m:r>
-                            <m:r>
-                              <m:rPr>
-                                <m:nor/>
-                                <m:sty m:val="p"/>
-                              </m:rPr>
-                              <m:t>do</m:t>
-                            </m:r>
-                          </m:e>
-                        </m:mr>
-                        <m:mr>
-                          <m:e/>
-                          <m:e>
-                            <m:r>
-                              <m:t>  </m:t>
-                            </m:r>
-                            <m:r>
-                              <m:t>  </m:t>
-                            </m:r>
-                            <m:r>
-                              <m:t>q</m:t>
-                            </m:r>
-                            <m:r>
-                              <m:rPr>
-                                <m:sty m:val="p"/>
-                              </m:rPr>
-                              <m:t>←</m:t>
-                            </m:r>
-                            <m:r>
-                              <m:t>m</m:t>
-                            </m:r>
-                            <m:r>
-                              <m:t>i</m:t>
-                            </m:r>
-                            <m:r>
-                              <m:t>n</m:t>
-                            </m:r>
-                            <m:r>
-                              <m:rPr>
-                                <m:sty m:val="p"/>
-                              </m:rPr>
-                              <m:t>{</m:t>
-                            </m:r>
-                            <m:r>
-                              <m:t>c</m:t>
-                            </m:r>
-                            <m:d>
-                              <m:dPr>
-                                <m:begChr m:val="["/>
-                                <m:endChr m:val="]"/>
-                                <m:sepChr m:val=""/>
-                                <m:grow/>
-                              </m:dPr>
-                              <m:e>
-                                <m:r>
-                                  <m:t>i</m:t>
-                                </m:r>
-                                <m:r>
-                                  <m:rPr>
-                                    <m:sty m:val="p"/>
-                                  </m:rPr>
-                                  <m:t>,</m:t>
-                                </m:r>
-                                <m:r>
-                                  <m:t>r</m:t>
-                                </m:r>
-                                <m:r>
-                                  <m:rPr>
-                                    <m:sty m:val="p"/>
-                                  </m:rPr>
-                                  <m:t>−</m:t>
-                                </m:r>
-                                <m:r>
-                                  <m:t>1</m:t>
-                                </m:r>
-                              </m:e>
-                            </m:d>
-                            <m:r>
-                              <m:rPr>
-                                <m:sty m:val="p"/>
-                              </m:rPr>
-                              <m:t>+</m:t>
-                            </m:r>
-                            <m:r>
-                              <m:t>c</m:t>
-                            </m:r>
-                            <m:d>
-                              <m:dPr>
-                                <m:begChr m:val="["/>
-                                <m:endChr m:val="]"/>
-                                <m:sepChr m:val=""/>
-                                <m:grow/>
-                              </m:dPr>
-                              <m:e>
-                                <m:r>
-                                  <m:t>r</m:t>
-                                </m:r>
-                                <m:r>
-                                  <m:rPr>
-                                    <m:sty m:val="p"/>
-                                  </m:rPr>
-                                  <m:t>+</m:t>
-                                </m:r>
-                                <m:r>
-                                  <m:t>1</m:t>
-                                </m:r>
-                                <m:r>
-                                  <m:rPr>
-                                    <m:sty m:val="p"/>
-                                  </m:rPr>
-                                  <m:t>,</m:t>
-                                </m:r>
-                                <m:r>
-                                  <m:t>j</m:t>
-                                </m:r>
-                              </m:e>
-                            </m:d>
-                            <m:r>
-                              <m:rPr>
-                                <m:sty m:val="p"/>
-                              </m:rPr>
-                              <m:t>}</m:t>
-                            </m:r>
-                            <m:r>
-                              <m:rPr>
-                                <m:sty m:val="p"/>
-                              </m:rPr>
-                              <m:t>+</m:t>
-                            </m:r>
-                            <m:r>
-                              <m:t>P</m:t>
-                            </m:r>
-                            <m:r>
-                              <m:t>S</m:t>
-                            </m:r>
-                            <m:d>
-                              <m:dPr>
-                                <m:begChr m:val="["/>
-                                <m:endChr m:val="]"/>
-                                <m:sepChr m:val=""/>
-                                <m:grow/>
-                              </m:dPr>
-                              <m:e>
-                                <m:r>
-                                  <m:t>j</m:t>
-                                </m:r>
-                              </m:e>
-                            </m:d>
-                            <m:r>
-                              <m:rPr>
-                                <m:sty m:val="p"/>
-                              </m:rPr>
-                              <m:t>–</m:t>
-                            </m:r>
-                            <m:r>
-                              <m:t>P</m:t>
-                            </m:r>
-                            <m:r>
-                              <m:t>S</m:t>
-                            </m:r>
-                            <m:d>
-                              <m:dPr>
-                                <m:begChr m:val="["/>
-                                <m:endChr m:val="]"/>
-                                <m:sepChr m:val=""/>
-                                <m:grow/>
-                              </m:dPr>
-                              <m:e>
-                                <m:r>
-                                  <m:t>i</m:t>
-                                </m:r>
-                                <m:r>
-                                  <m:rPr>
-                                    <m:sty m:val="p"/>
-                                  </m:rPr>
-                                  <m:t>−</m:t>
-                                </m:r>
-                                <m:r>
-                                  <m:t>1</m:t>
-                                </m:r>
-                              </m:e>
-                            </m:d>
-                            <m:r>
-                              <m:rPr>
-                                <m:sty m:val="p"/>
-                              </m:rPr>
-                              <m:t>}</m:t>
-                            </m:r>
-                          </m:e>
-                        </m:mr>
-                        <m:mr>
-                          <m:e/>
-                          <m:e>
-                            <m:r>
-                              <m:t>  </m:t>
-                            </m:r>
-                            <m:r>
-                              <m:t>  </m:t>
-                            </m:r>
-                            <m:r>
-                              <m:rPr>
-                                <m:nor/>
-                                <m:sty m:val="p"/>
-                              </m:rPr>
-                              <m:t>if</m:t>
-                            </m:r>
-                            <m:r>
-                              <m:t> </m:t>
-                            </m:r>
-                            <m:r>
-                              <m:t>q</m:t>
-                            </m:r>
-                            <m:r>
-                              <m:rPr>
-                                <m:sty m:val="p"/>
-                              </m:rPr>
-                              <m:t>&lt;</m:t>
-                            </m:r>
-                            <m:r>
-                              <m:t>c</m:t>
-                            </m:r>
-                            <m:d>
-                              <m:dPr>
-                                <m:begChr m:val="["/>
-                                <m:endChr m:val="]"/>
-                                <m:sepChr m:val=""/>
-                                <m:grow/>
-                              </m:dPr>
-                              <m:e>
-                                <m:r>
-                                  <m:t>i</m:t>
-                                </m:r>
-                                <m:r>
-                                  <m:rPr>
-                                    <m:sty m:val="p"/>
-                                  </m:rPr>
-                                  <m:t>,</m:t>
-                                </m:r>
-                                <m:r>
-                                  <m:t>j</m:t>
-                                </m:r>
-                              </m:e>
-                            </m:d>
-                            <m:r>
-                              <m:t> </m:t>
-                            </m:r>
-                            <m:r>
-                              <m:rPr>
-                                <m:nor/>
-                                <m:sty m:val="p"/>
-                              </m:rPr>
-                              <m:t>then</m:t>
-                            </m:r>
-                          </m:e>
-                        </m:mr>
-                        <m:mr>
-                          <m:e/>
-                          <m:e>
-                            <m:r>
-                              <m:t>  </m:t>
-                            </m:r>
-                            <m:r>
-                              <m:t>  </m:t>
-                            </m:r>
-                            <m:r>
-                              <m:t> </m:t>
-                            </m:r>
-                            <m:r>
-                              <m:t>c</m:t>
-                            </m:r>
-                            <m:d>
-                              <m:dPr>
-                                <m:begChr m:val="["/>
-                                <m:endChr m:val="]"/>
-                                <m:sepChr m:val=""/>
-                                <m:grow/>
-                              </m:dPr>
-                              <m:e>
-                                <m:r>
-                                  <m:t>i</m:t>
-                                </m:r>
-                                <m:r>
-                                  <m:rPr>
-                                    <m:sty m:val="p"/>
-                                  </m:rPr>
-                                  <m:t>,</m:t>
-                                </m:r>
-                                <m:r>
-                                  <m:t>j</m:t>
-                                </m:r>
-                              </m:e>
-                            </m:d>
-                            <m:r>
-                              <m:rPr>
-                                <m:sty m:val="p"/>
-                              </m:rPr>
-                              <m:t>←</m:t>
-                            </m:r>
-                            <m:r>
-                              <m:t>q</m:t>
-                            </m:r>
-                          </m:e>
-                        </m:mr>
-                        <m:mr>
-                          <m:e/>
-                          <m:e>
-                            <m:r>
-                              <m:t>  </m:t>
-                            </m:r>
-                            <m:r>
-                              <m:t>  </m:t>
-                            </m:r>
-                            <m:r>
-                              <m:t> </m:t>
-                            </m:r>
-                            <m:r>
-                              <m:t>R</m:t>
-                            </m:r>
-                            <m:d>
-                              <m:dPr>
-                                <m:begChr m:val="["/>
-                                <m:endChr m:val="]"/>
-                                <m:sepChr m:val=""/>
-                                <m:grow/>
-                              </m:dPr>
-                              <m:e>
-                                <m:r>
-                                  <m:t>i</m:t>
-                                </m:r>
-                                <m:r>
-                                  <m:rPr>
-                                    <m:sty m:val="p"/>
-                                  </m:rPr>
-                                  <m:t>,</m:t>
-                                </m:r>
-                                <m:r>
-                                  <m:t>j</m:t>
-                                </m:r>
-                              </m:e>
-                            </m:d>
-                            <m:r>
-                              <m:rPr>
-                                <m:sty m:val="p"/>
-                              </m:rPr>
-                              <m:t>←</m:t>
-                            </m:r>
-                            <m:r>
-                              <m:t>r</m:t>
-                            </m:r>
-                          </m:e>
-                        </m:mr>
-                        <m:mr>
-                          <m:e/>
-                          <m:e>
-                            <m:r>
-                              <m:t> </m:t>
-                            </m:r>
-                            <m:r>
-                              <m:rPr>
-                                <m:nor/>
-                                <m:sty m:val="p"/>
-                              </m:rPr>
-                              <m:t>return</m:t>
-                            </m:r>
-                            <m:r>
-                              <m:t> </m:t>
-                            </m:r>
-                            <m:r>
-                              <m:t>c</m:t>
-                            </m:r>
-                            <m:d>
-                              <m:dPr>
-                                <m:begChr m:val="["/>
-                                <m:endChr m:val="]"/>
-                                <m:sepChr m:val=""/>
-                                <m:grow/>
-                              </m:dPr>
-                              <m:e>
-                                <m:r>
-                                  <m:t>1</m:t>
-                                </m:r>
-                                <m:r>
-                                  <m:rPr>
-                                    <m:sty m:val="p"/>
-                                  </m:rPr>
-                                  <m:t>,</m:t>
-                                </m:r>
-                                <m:r>
-                                  <m:t>n</m:t>
-                                </m:r>
-                              </m:e>
-                            </m:d>
-                            <m:r>
-                              <m:rPr>
-                                <m:sty m:val="p"/>
-                              </m:rPr>
-                              <m:t>,</m:t>
-                            </m:r>
-                            <m:r>
-                              <m:t>R</m:t>
-                            </m:r>
-                          </m:e>
-                        </m:mr>
-                      </m:m>
-                    </m:oMath>
-                  </m:oMathPara>
-                </a14:m>
-              </a:p>
-            </p:txBody>
-          </p:sp>
-        </mc:Choice>
-      </mc:AlternateContent>
-    </p:spTree>
-  </p:cSld>
-</p:sld>
-</file>
-
-<file path=ppt/slides/slide16.xml><?xml version="1.0" encoding="utf-8"?>
-<p:sld xmlns:a="http://schemas.openxmlformats.org/drawingml/2006/main" xmlns:r="http://schemas.openxmlformats.org/officeDocument/2006/relationships" xmlns:p="http://schemas.openxmlformats.org/presentationml/2006/main">
-  <p:cSld>
-    <p:spTree>
-      <p:nvGrpSpPr>
-        <p:cNvPr id="1" name=""/>
-        <p:cNvGrpSpPr/>
-        <p:nvPr/>
-      </p:nvGrpSpPr>
-      <p:grpSpPr>
-        <a:xfrm>
-          <a:off x="0" y="0"/>
-          <a:ext cx="0" cy="0"/>
-          <a:chOff x="0" y="0"/>
-          <a:chExt cx="0" cy="0"/>
-        </a:xfrm>
-      </p:grpSpPr>
-      <p:sp>
-        <p:nvSpPr>
-          <p:cNvPr id="3" name="Content Placeholder 2"/>
-          <p:cNvSpPr>
-            <a:spLocks noGrp="1"/>
-          </p:cNvSpPr>
-          <p:nvPr>
-            <p:ph idx="1"/>
-          </p:nvPr>
-        </p:nvSpPr>
-        <p:spPr/>
-        <p:txBody>
-          <a:bodyPr/>
-          <a:lstStyle/>
-          <a:p>
-            <a:pPr lvl="0" indent="0" marL="0">
-              <a:buNone/>
-            </a:pPr>
-            <a:r>
-              <a:rPr b="1"/>
-              <a:t>TODO</a:t>
-            </a:r>
-            <a:r>
-              <a:rPr/>
-              <a:t> UPDATE CONTENT FOR YOUR COURSE NOTES</a:t>
-            </a:r>
-          </a:p>
-        </p:txBody>
-      </p:sp>
-    </p:spTree>
-  </p:cSld>
-</p:sld>
-</file>
-
-<file path=ppt/slides/slide17.xml><?xml version="1.0" encoding="utf-8"?>
-<p:sld xmlns:a="http://schemas.openxmlformats.org/drawingml/2006/main" xmlns:r="http://schemas.openxmlformats.org/officeDocument/2006/relationships" xmlns:p="http://schemas.openxmlformats.org/presentationml/2006/main">
-  <p:cSld>
-    <p:spTree>
-      <p:nvGrpSpPr>
-        <p:cNvPr id="1" name=""/>
-        <p:cNvGrpSpPr/>
-        <p:nvPr/>
-      </p:nvGrpSpPr>
-      <p:grpSpPr>
-        <a:xfrm>
-          <a:off x="0" y="0"/>
-          <a:ext cx="0" cy="0"/>
-          <a:chOff x="0" y="0"/>
-          <a:chExt cx="0" cy="0"/>
-        </a:xfrm>
-      </p:grpSpPr>
-      <p:sp>
-        <p:nvSpPr>
-          <p:cNvPr id="2" name="Title 1"/>
-          <p:cNvSpPr>
-            <a:spLocks noGrp="1"/>
-          </p:cNvSpPr>
-          <p:nvPr>
-            <p:ph type="title"/>
-          </p:nvPr>
-        </p:nvSpPr>
-        <p:spPr/>
-        <p:txBody>
-          <a:bodyPr/>
-          <a:lstStyle/>
-          <a:p>
-            <a:pPr lvl="0" indent="0" marL="0">
-              <a:buNone/>
-            </a:pPr>
-            <a:r>
-              <a:rPr/>
-              <a:t>References</a:t>
-            </a:r>
-          </a:p>
-        </p:txBody>
-      </p:sp>
-      <p:sp>
-        <p:nvSpPr>
-          <p:cNvPr id="3" name="Content Placeholder 2"/>
-          <p:cNvSpPr>
-            <a:spLocks noGrp="1"/>
-          </p:cNvSpPr>
-          <p:nvPr>
-            <p:ph idx="1"/>
-          </p:nvPr>
-        </p:nvSpPr>
-        <p:spPr/>
-        <p:txBody>
-          <a:bodyPr/>
-          <a:lstStyle/>
-          <a:p>
-            <a:pPr lvl="0"/>
-            <a:r>
-              <a:rPr/>
-              <a:t>https://avesis.erdogan.edu.tr/ugur.coruh</a:t>
-            </a:r>
-          </a:p>
-          <a:p>
-            <a:pPr lvl="0"/>
-            <a:r>
-              <a:rPr/>
-              <a:t>https://www.linkedin.com/in/ugurcoruh/</a:t>
-            </a:r>
-          </a:p>
-          <a:p>
-            <a:pPr lvl="0"/>
-            <a:r>
-              <a:rPr/>
-              <a:t>https://www.hindawi.com/journals/scn/2018/6563089/</a:t>
-            </a:r>
-          </a:p>
-          <a:p>
-            <a:pPr lvl="0"/>
-            <a:r>
-              <a:rPr/>
-              <a:t>https://dl.acm.org/doi/abs/10.1145/3410352.3410836</a:t>
-            </a:r>
-          </a:p>
-          <a:p>
-            <a:pPr lvl="0"/>
-            <a:r>
-              <a:rPr/>
-              <a:t>https://www.sciencedirect.com/science/article/abs/pii/S2214212621002623</a:t>
-            </a:r>
-          </a:p>
-        </p:txBody>
-      </p:sp>
-    </p:spTree>
-  </p:cSld>
-</p:sld>
-</file>
-
-<file path=ppt/slides/slide18.xml><?xml version="1.0" encoding="utf-8"?>
 <p:sld xmlns:a="http://schemas.openxmlformats.org/drawingml/2006/main" xmlns:r="http://schemas.openxmlformats.org/officeDocument/2006/relationships" xmlns:p="http://schemas.openxmlformats.org/presentationml/2006/main">
   <p:cSld>
     <p:spTree>
@@ -6681,7 +3708,7 @@
             </a:pPr>
             <a:r>
               <a:rPr/>
-              <a:t>Sample Course Name</a:t>
+              <a:t>Computer Hardware</a:t>
             </a:r>
           </a:p>
         </p:txBody>
@@ -6709,7 +3736,7 @@
             </a:pPr>
             <a:r>
               <a:rPr b="1"/>
-              <a:t>Week-2 (Sample Course Module Name)</a:t>
+              <a:t>Week-2 (Computer Hardware)</a:t>
             </a:r>
           </a:p>
           <a:p>
@@ -6721,7 +3748,7 @@
             </a:pPr>
             <a:r>
               <a:rPr b="1"/>
-              <a:t>Spring Semester, 20XX-20XX</a:t>
+              <a:t>Spring Semester, 2022-2023</a:t>
             </a:r>
           </a:p>
           <a:p>
@@ -6813,28 +3840,21 @@
             <a:pPr lvl="0"/>
             <a:r>
               <a:rPr/>
-              <a:t>Sample Outline</a:t>
+              <a:t>List of Computer Hardware</a:t>
             </a:r>
           </a:p>
           <a:p>
             <a:pPr lvl="0"/>
             <a:r>
               <a:rPr/>
-              <a:t>Sample Outline</a:t>
+              <a:t>Troubleshooting Faulty Computer Hardware</a:t>
             </a:r>
           </a:p>
           <a:p>
             <a:pPr lvl="0"/>
             <a:r>
               <a:rPr/>
-              <a:t>Sample Outline</a:t>
-            </a:r>
-          </a:p>
-          <a:p>
-            <a:pPr lvl="0"/>
-            <a:r>
-              <a:rPr/>
-              <a:t>Sample Outline</a:t>
+              <a:t>Hardware vs. Software</a:t>
             </a:r>
           </a:p>
         </p:txBody>
@@ -6881,7 +3901,7 @@
             </a:pPr>
             <a:r>
               <a:rPr b="1"/>
-              <a:t>Sample Topic</a:t>
+              <a:t>Introduction to Computer Hardware</a:t>
             </a:r>
           </a:p>
         </p:txBody>
@@ -6931,39 +3951,32 @@
             </a:pPr>
             <a:r>
               <a:rPr b="1"/>
-              <a:t>Sample Topic</a:t>
+              <a:t>Computer Hardware</a:t>
             </a:r>
           </a:p>
           <a:p>
             <a:pPr lvl="0"/>
             <a:r>
-              <a:rPr b="1"/>
-              <a:t>What is Lorem Ipsum?</a:t>
-            </a:r>
-            <a:r>
               <a:rPr/>
-              <a:t> Lorem Ipsum is simply dummy text of the printing and typesetting industry. Lorem Ipsum has been the industry’s standard dummy text ever since the 1500s,</a:t>
-            </a:r>
-          </a:p>
-          <a:p>
-            <a:pPr lvl="1"/>
+              <a:t>Computer hardware refers to the physical components that make up a computer system.</a:t>
+            </a:r>
+          </a:p>
+          <a:p>
+            <a:pPr lvl="0" indent="0" marL="0">
+              <a:buNone/>
+            </a:pPr>
             <a:r>
               <a:rPr/>
-              <a:t>when an unknown printer took a galley of type and scrambled it to make a type specimen book. It has survived not only five centuries,</a:t>
-            </a:r>
-          </a:p>
-          <a:p>
-            <a:pPr lvl="2"/>
+              <a:t>There are many different kinds of hardware that can be installed inside, and connected to the outside, of a computer.</a:t>
+            </a:r>
+          </a:p>
+          <a:p>
+            <a:pPr lvl="0" indent="0" marL="0">
+              <a:buNone/>
+            </a:pPr>
             <a:r>
               <a:rPr/>
-              <a:t>but also the leap into electronic typesetting, remaining essentially unchanged.</a:t>
-            </a:r>
-          </a:p>
-          <a:p>
-            <a:pPr lvl="3"/>
-            <a:r>
-              <a:rPr/>
-              <a:t>It was popularised in the 1960s with the release of Letraset sheets containing Lorem Ipsum passages, and more recently with desktop publishing software like Aldus PageMaker including versions of Lorem Ipsum.</a:t>
+              <a:t>Computer hardware may sometimes be seen abbreviated as computer hw.</a:t>
             </a:r>
           </a:p>
         </p:txBody>
@@ -7005,33 +4018,26 @@
           <a:bodyPr/>
           <a:lstStyle/>
           <a:p>
+            <a:pPr lvl="0"/>
+            <a:r>
+              <a:rPr/>
+              <a:t>List of Computer Hardware: Here are some common individual computer hardware components that you’ll often find inside a modern computer. These parts are almost always found inside the computer case, so you won’t see them unless you open the computer:</a:t>
+            </a:r>
+          </a:p>
+          <a:p>
             <a:pPr lvl="0" indent="0" marL="0">
-              <a:spcBef>
-                <a:spcPts val="3000"/>
-              </a:spcBef>
               <a:buNone/>
             </a:pPr>
             <a:r>
-              <a:rPr b="1"/>
-              <a:t>Sample Images-1</a:t>
-            </a:r>
-          </a:p>
-          <a:p>
-            <a:pPr lvl="0"/>
-            <a:r>
-              <a:rPr b="1"/>
-              <a:t>What is Lorem Ipsum?</a:t>
-            </a:r>
-            <a:r>
               <a:rPr/>
-              <a:t> Lorem Ipsum is simply dummy text of the printing and typesetting industry. Lorem Ipsum has been the industry’s standard dummy text ever since the 1500s,</a:t>
+              <a:t>Motherboard, Central Processing Unit (CPU), Random Access, Memory (RAM), Power Supply Unit (PSU), Video card ,Hard Disk, Drive (HDD), Solid-State Drive (SSD), Optical disk drive (e.g., BD/DVD/CD drive), Card reader (SD/SDHC, CF, etc.)</a:t>
             </a:r>
           </a:p>
         </p:txBody>
       </p:sp>
       <p:pic>
         <p:nvPicPr>
-          <p:cNvPr descr="fig:  assets/sample-1.png" id="0" name="Picture 1"/>
+          <p:cNvPr descr="fig:  assets/computer-hardware-2625895-5d9007ac0d44404588321d255fc82049.webp" id="0" name="Picture 1"/>
           <p:cNvPicPr>
             <a:picLocks noGrp="1" noChangeAspect="1"/>
           </p:cNvPicPr>
@@ -7045,8 +4051,8 @@
         </p:blipFill>
         <p:spPr bwMode="auto">
           <a:xfrm>
-            <a:off x="4749800" y="266700"/>
-            <a:ext cx="2743200" cy="5334000"/>
+            <a:off x="3568700" y="431800"/>
+            <a:ext cx="5105400" cy="3403600"/>
           </a:xfrm>
           <a:prstGeom prst="rect">
             <a:avLst/>
@@ -7067,7 +4073,7 @@
         </p:nvSpPr>
         <p:spPr>
           <a:xfrm>
-            <a:off x="3568700" y="5600700"/>
+            <a:off x="3568700" y="4076700"/>
             <a:ext cx="5105400" cy="508000"/>
           </a:xfrm>
           <a:prstGeom prst="rect">
@@ -7126,33 +4132,26 @@
           <a:bodyPr/>
           <a:lstStyle/>
           <a:p>
+            <a:pPr lvl="0"/>
+            <a:r>
+              <a:rPr/>
+              <a:t>Common hardware that you might find connected to the outside of a computer, although many tablets, laptops, and netbooks integrate some of these items into their housings:</a:t>
+            </a:r>
+          </a:p>
+          <a:p>
             <a:pPr lvl="0" indent="0" marL="0">
-              <a:spcBef>
-                <a:spcPts val="3000"/>
-              </a:spcBef>
               <a:buNone/>
             </a:pPr>
             <a:r>
-              <a:rPr b="1"/>
-              <a:t>Sample Images-2</a:t>
-            </a:r>
-          </a:p>
-          <a:p>
-            <a:pPr lvl="0"/>
-            <a:r>
-              <a:rPr b="1"/>
-              <a:t>What is Lorem Ipsum?</a:t>
-            </a:r>
-            <a:r>
               <a:rPr/>
-              <a:t> Lorem Ipsum is simply dummy text of the printing and typesetting industry. Lorem Ipsum has been the industry’s standard dummy text ever since the 1500s,</a:t>
+              <a:t>Monitor Keyboard Mouse Uninterruptible Power Supply (UPS) Flash drive Printer Speakers External hard drive Pen tablet</a:t>
             </a:r>
           </a:p>
         </p:txBody>
       </p:sp>
       <p:pic>
         <p:nvPicPr>
-          <p:cNvPr descr="fig:  assets/sample-1.png" id="0" name="Picture 1"/>
+          <p:cNvPr descr="fig:  assets/maxresdefault.jpg" id="0" name="Picture 1"/>
           <p:cNvPicPr>
             <a:picLocks noGrp="1" noChangeAspect="1"/>
           </p:cNvPicPr>
@@ -7166,8 +4165,8 @@
         </p:blipFill>
         <p:spPr bwMode="auto">
           <a:xfrm>
-            <a:off x="4749800" y="266700"/>
-            <a:ext cx="2743200" cy="5334000"/>
+            <a:off x="3568700" y="698500"/>
+            <a:ext cx="5105400" cy="2870200"/>
           </a:xfrm>
           <a:prstGeom prst="rect">
             <a:avLst/>
@@ -7188,7 +4187,7 @@
         </p:nvSpPr>
         <p:spPr>
           <a:xfrm>
-            <a:off x="3568700" y="5600700"/>
+            <a:off x="3568700" y="4076700"/>
             <a:ext cx="5105400" cy="508000"/>
           </a:xfrm>
           <a:prstGeom prst="rect">
@@ -7205,7 +4204,7 @@
             </a:pPr>
             <a:r>
               <a:rPr/>
-              <a:t>bg right:50% h:400px</a:t>
+              <a:t>bg right:50% h:350px</a:t>
             </a:r>
           </a:p>
         </p:txBody>
@@ -7247,33 +4246,26 @@
           <a:bodyPr/>
           <a:lstStyle/>
           <a:p>
+            <a:pPr lvl="0"/>
+            <a:r>
+              <a:rPr/>
+              <a:t>Less common individual computer hardware devices, either because these pieces are now usually integrated into other devices or because they’ve been replaced with newer technology:</a:t>
+            </a:r>
+          </a:p>
+          <a:p>
             <a:pPr lvl="0" indent="0" marL="0">
-              <a:spcBef>
-                <a:spcPts val="3000"/>
-              </a:spcBef>
               <a:buNone/>
             </a:pPr>
             <a:r>
-              <a:rPr b="1"/>
-              <a:t>Sample Images-3</a:t>
-            </a:r>
-          </a:p>
-          <a:p>
-            <a:pPr lvl="0"/>
-            <a:r>
-              <a:rPr b="1"/>
-              <a:t>What is Lorem Ipsum?</a:t>
-            </a:r>
-            <a:r>
               <a:rPr/>
-              <a:t> Lorem Ipsum is simply dummy text of the printing and typesetting industry. Lorem Ipsum has been the industry’s standard dummy text ever since the 1500s,</a:t>
+              <a:t>Sound card, Network Interface Card (NIC), Expansion card (FireWire, USB, etc.), Hard drive controller card, Analog modem, Scanner, Projector, Floppy disk drive, Joystick, Webcam, Microphone, Tape drive, Zip drive</a:t>
             </a:r>
           </a:p>
         </p:txBody>
       </p:sp>
       <p:pic>
         <p:nvPicPr>
-          <p:cNvPr descr="fig:  assets/sample-1.png" id="0" name="Picture 1"/>
+          <p:cNvPr descr="fig:  assets/Computer-hardware-components.jpg" id="0" name="Picture 1"/>
           <p:cNvPicPr>
             <a:picLocks noGrp="1" noChangeAspect="1"/>
           </p:cNvPicPr>
@@ -7287,8 +4279,8 @@
         </p:blipFill>
         <p:spPr bwMode="auto">
           <a:xfrm>
-            <a:off x="4749800" y="266700"/>
-            <a:ext cx="2743200" cy="5334000"/>
+            <a:off x="3568700" y="901700"/>
+            <a:ext cx="5105400" cy="2489200"/>
           </a:xfrm>
           <a:prstGeom prst="rect">
             <a:avLst/>
@@ -7309,7 +4301,7 @@
         </p:nvSpPr>
         <p:spPr>
           <a:xfrm>
-            <a:off x="3568700" y="5600700"/>
+            <a:off x="3568700" y="4076700"/>
             <a:ext cx="5105400" cy="508000"/>
           </a:xfrm>
           <a:prstGeom prst="rect">
@@ -7326,7 +4318,7 @@
             </a:pPr>
             <a:r>
               <a:rPr/>
-              <a:t>bg left:50% h:400px</a:t>
+              <a:t>bg left:50% h:300px</a:t>
             </a:r>
           </a:p>
         </p:txBody>
@@ -7353,48 +4345,9 @@
           <a:chExt cx="0" cy="0"/>
         </a:xfrm>
       </p:grpSpPr>
-      <p:sp>
-        <p:nvSpPr>
-          <p:cNvPr id="4" name="Text Placeholder 3"/>
-          <p:cNvSpPr>
-            <a:spLocks noGrp="1"/>
-          </p:cNvSpPr>
-          <p:nvPr>
-            <p:ph idx="2" sz="half" type="body"/>
-          </p:nvPr>
-        </p:nvSpPr>
-        <p:spPr/>
-        <p:txBody>
-          <a:bodyPr/>
-          <a:lstStyle/>
-          <a:p>
-            <a:pPr lvl="0" indent="0" marL="0">
-              <a:spcBef>
-                <a:spcPts val="3000"/>
-              </a:spcBef>
-              <a:buNone/>
-            </a:pPr>
-            <a:r>
-              <a:rPr b="1"/>
-              <a:t>Sample Images-4</a:t>
-            </a:r>
-          </a:p>
-          <a:p>
-            <a:pPr lvl="0"/>
-            <a:r>
-              <a:rPr b="1"/>
-              <a:t>What is Lorem Ipsum?</a:t>
-            </a:r>
-            <a:r>
-              <a:rPr/>
-              <a:t> Lorem Ipsum is simply dummy text of the printing and typesetting industry. Lorem Ipsum has been the industry’s standard dummy text ever since the 1500s,</a:t>
-            </a:r>
-          </a:p>
-        </p:txBody>
-      </p:sp>
       <p:pic>
         <p:nvPicPr>
-          <p:cNvPr descr="fig:  assets/sample-1.png" id="0" name="Picture 1"/>
+          <p:cNvPr descr="fig:  assets/computer_hardware.jpg" id="0" name="Picture 1"/>
           <p:cNvPicPr>
             <a:picLocks noGrp="1" noChangeAspect="1"/>
           </p:cNvPicPr>
@@ -7408,8 +4361,8 @@
         </p:blipFill>
         <p:spPr bwMode="auto">
           <a:xfrm>
-            <a:off x="4749800" y="266700"/>
-            <a:ext cx="2743200" cy="5334000"/>
+            <a:off x="2260600" y="1193800"/>
+            <a:ext cx="4610100" cy="2882900"/>
           </a:xfrm>
           <a:prstGeom prst="rect">
             <a:avLst/>
@@ -7430,8 +4383,8 @@
         </p:nvSpPr>
         <p:spPr>
           <a:xfrm>
-            <a:off x="3568700" y="5600700"/>
-            <a:ext cx="5105400" cy="508000"/>
+            <a:off x="457200" y="4076700"/>
+            <a:ext cx="8229600" cy="508000"/>
           </a:xfrm>
           <a:prstGeom prst="rect">
             <a:avLst/>
@@ -7447,7 +4400,7 @@
             </a:pPr>
             <a:r>
               <a:rPr/>
-              <a:t>bg h:400px</a:t>
+              <a:t>bg h:700px</a:t>
             </a:r>
           </a:p>
         </p:txBody>
